--- a/presentation/Präsi.pptx
+++ b/presentation/Präsi.pptx
@@ -134,8 +134,12 @@
 <p1510:revInfo xmlns:a="http://schemas.openxmlformats.org/drawingml/2006/main" xmlns:r="http://schemas.openxmlformats.org/officeDocument/2006/relationships" xmlns:p1510="http://schemas.microsoft.com/office/powerpoint/2015/10/main">
   <p1510:revLst>
     <p1510:client id="{07C07375-8F2D-48EC-8D9F-CAFD47700A03}" v="401" dt="2022-02-02T15:16:00.728"/>
-    <p1510:client id="{3F7A2E4F-742B-4F13-A3E1-01CAFD5862E7}" v="976" dt="2022-02-02T15:29:23.726"/>
+    <p1510:client id="{1DB59BAC-9569-4DD9-96E1-DDA0E09E5C27}" v="86" dt="2022-02-09T13:45:15.720"/>
+    <p1510:client id="{1F62343E-E3C7-449F-8FA9-DCEB601E10CF}" v="24" dt="2022-02-09T13:16:43.973"/>
+    <p1510:client id="{3F7A2E4F-742B-4F13-A3E1-01CAFD5862E7}" v="978" dt="2022-02-02T15:32:01.050"/>
     <p1510:client id="{5B909FF2-8DE6-4A4B-9E36-A7BBBB3A938E}" v="4187" dt="2022-02-02T15:30:09.624"/>
+    <p1510:client id="{8CFEF115-EAAE-40E6-BA74-3A44DF672601}" v="25" dt="2022-02-09T13:44:18.175"/>
+    <p1510:client id="{D1B4394D-E6CC-44B9-8933-9B734EA94262}" v="7" dt="2022-02-09T13:43:10.189"/>
   </p1510:revLst>
 </p1510:revInfo>
 </file>
@@ -165,7 +169,7 @@
       <inkml:brushProperty name="ignorePressure" value="1"/>
     </inkml:brush>
   </inkml:definitions>
-  <inkml:trace contextRef="#ctx0" brushRef="#br0">0 0,'0'0</inkml:trace>
+  <inkml:trace contextRef="#ctx0" brushRef="#br0">0 1599,'0'0</inkml:trace>
 </inkml:ink>
 </file>
 
@@ -251,7 +255,7 @@
           <a:p>
             <a:fld id="{F1D3B7FF-589B-47EC-BF7E-72627F2EB1A8}" type="datetimeFigureOut">
               <a:rPr lang="de-DE" smtClean="0"/>
-              <a:t>02.02.2022</a:t>
+              <a:t>09.02.2022</a:t>
             </a:fld>
             <a:endParaRPr lang="de-DE"/>
           </a:p>
@@ -1239,7 +1243,7 @@
           <a:p>
             <a:fld id="{AD24C8A7-F21F-4AD1-B45F-68A6CDC1B962}" type="datetime1">
               <a:rPr lang="de-DE" smtClean="0"/>
-              <a:t>02.02.2022</a:t>
+              <a:t>09.02.2022</a:t>
             </a:fld>
             <a:endParaRPr lang="de-DE"/>
           </a:p>
@@ -1489,7 +1493,7 @@
           <a:p>
             <a:fld id="{7C95B479-5EDE-456D-A433-CBEEE8E1E08F}" type="datetime1">
               <a:rPr lang="de-DE" smtClean="0"/>
-              <a:t>02.02.2022</a:t>
+              <a:t>09.02.2022</a:t>
             </a:fld>
             <a:endParaRPr lang="de-DE"/>
           </a:p>
@@ -1802,7 +1806,7 @@
           <a:p>
             <a:fld id="{9D996072-6199-4E33-9D0F-B33E00FFBAB8}" type="datetime1">
               <a:rPr lang="de-DE" smtClean="0"/>
-              <a:t>02.02.2022</a:t>
+              <a:t>09.02.2022</a:t>
             </a:fld>
             <a:endParaRPr lang="de-DE"/>
           </a:p>
@@ -2142,7 +2146,7 @@
           <a:p>
             <a:fld id="{D71217ED-DC08-4668-989F-AD4877D60ED8}" type="datetime1">
               <a:rPr lang="de-DE" smtClean="0"/>
-              <a:t>02.02.2022</a:t>
+              <a:t>09.02.2022</a:t>
             </a:fld>
             <a:endParaRPr lang="de-DE"/>
           </a:p>
@@ -2455,7 +2459,7 @@
           <a:p>
             <a:fld id="{C2FEC67C-8B33-4B17-80D3-AA45CAB0FD16}" type="datetime1">
               <a:rPr lang="de-DE" smtClean="0"/>
-              <a:t>02.02.2022</a:t>
+              <a:t>09.02.2022</a:t>
             </a:fld>
             <a:endParaRPr lang="de-DE"/>
           </a:p>
@@ -2847,7 +2851,7 @@
           <a:p>
             <a:fld id="{0D5C806A-7BA9-42ED-A808-87DCED2898DA}" type="datetime1">
               <a:rPr lang="de-DE" smtClean="0"/>
-              <a:t>02.02.2022</a:t>
+              <a:t>09.02.2022</a:t>
             </a:fld>
             <a:endParaRPr lang="de-DE"/>
           </a:p>
@@ -3015,7 +3019,7 @@
           <a:p>
             <a:fld id="{F83A5CE5-DC5A-4563-9F43-A9E4E7272E93}" type="datetime1">
               <a:rPr lang="de-DE" smtClean="0"/>
-              <a:t>02.02.2022</a:t>
+              <a:t>09.02.2022</a:t>
             </a:fld>
             <a:endParaRPr lang="de-DE"/>
           </a:p>
@@ -3193,7 +3197,7 @@
           <a:p>
             <a:fld id="{BB07137F-DAE8-43C4-82D2-2D32286DF184}" type="datetime1">
               <a:rPr lang="de-DE" smtClean="0"/>
-              <a:t>02.02.2022</a:t>
+              <a:t>09.02.2022</a:t>
             </a:fld>
             <a:endParaRPr lang="de-DE"/>
           </a:p>
@@ -3367,7 +3371,7 @@
           <a:p>
             <a:fld id="{E2C2F613-B261-4483-BC7E-1E43A24BD30E}" type="datetime1">
               <a:rPr lang="de-DE" smtClean="0"/>
-              <a:t>02.02.2022</a:t>
+              <a:t>09.02.2022</a:t>
             </a:fld>
             <a:endParaRPr lang="de-DE"/>
           </a:p>
@@ -3613,7 +3617,7 @@
           <a:p>
             <a:fld id="{E5E3028D-CDB7-4843-AA2A-1608418499D0}" type="datetime1">
               <a:rPr lang="de-DE" smtClean="0"/>
-              <a:t>02.02.2022</a:t>
+              <a:t>09.02.2022</a:t>
             </a:fld>
             <a:endParaRPr lang="de-DE"/>
           </a:p>
@@ -3842,7 +3846,7 @@
           <a:p>
             <a:fld id="{01A79A9C-7B90-44A8-8876-0B21FD945FC6}" type="datetime1">
               <a:rPr lang="de-DE" smtClean="0"/>
-              <a:t>02.02.2022</a:t>
+              <a:t>09.02.2022</a:t>
             </a:fld>
             <a:endParaRPr lang="de-DE"/>
           </a:p>
@@ -4213,7 +4217,7 @@
           <a:p>
             <a:fld id="{BCC83839-2D95-40BA-A237-B15795265217}" type="datetime1">
               <a:rPr lang="de-DE" smtClean="0"/>
-              <a:t>02.02.2022</a:t>
+              <a:t>09.02.2022</a:t>
             </a:fld>
             <a:endParaRPr lang="de-DE"/>
           </a:p>
@@ -4335,7 +4339,7 @@
           <a:p>
             <a:fld id="{401FCFC0-8C2E-4D11-9B6D-C046F04CC80D}" type="datetime1">
               <a:rPr lang="de-DE" smtClean="0"/>
-              <a:t>02.02.2022</a:t>
+              <a:t>09.02.2022</a:t>
             </a:fld>
             <a:endParaRPr lang="de-DE"/>
           </a:p>
@@ -4430,7 +4434,7 @@
           <a:p>
             <a:fld id="{0E3AC759-4274-4C1A-835B-54F11E9D44B9}" type="datetime1">
               <a:rPr lang="de-DE" smtClean="0"/>
-              <a:t>02.02.2022</a:t>
+              <a:t>09.02.2022</a:t>
             </a:fld>
             <a:endParaRPr lang="de-DE"/>
           </a:p>
@@ -4683,7 +4687,7 @@
           <a:p>
             <a:fld id="{7282293D-D93F-40C6-8979-29914F9DB61C}" type="datetime1">
               <a:rPr lang="de-DE" smtClean="0"/>
-              <a:t>02.02.2022</a:t>
+              <a:t>09.02.2022</a:t>
             </a:fld>
             <a:endParaRPr lang="de-DE"/>
           </a:p>
@@ -4944,7 +4948,7 @@
           <a:p>
             <a:fld id="{84E3F900-6CB9-4FDD-B51B-8F5A9984A050}" type="datetime1">
               <a:rPr lang="de-DE" smtClean="0"/>
-              <a:t>02.02.2022</a:t>
+              <a:t>09.02.2022</a:t>
             </a:fld>
             <a:endParaRPr lang="de-DE"/>
           </a:p>
@@ -5685,7 +5689,7 @@
           <a:p>
             <a:fld id="{768194D7-A2F6-4C0A-AF4A-167F25B353C9}" type="datetime1">
               <a:rPr lang="de-DE" smtClean="0"/>
-              <a:t>02.02.2022</a:t>
+              <a:t>09.02.2022</a:t>
             </a:fld>
             <a:endParaRPr lang="de-DE"/>
           </a:p>
@@ -7012,122 +7016,6 @@
   <p:clrMapOvr>
     <a:masterClrMapping/>
   </p:clrMapOvr>
-  <p:timing>
-    <p:tnLst>
-      <p:par>
-        <p:cTn id="1" dur="indefinite" restart="never" nodeType="tmRoot">
-          <p:childTnLst>
-            <p:seq concurrent="1" nextAc="seek">
-              <p:cTn id="2" dur="indefinite" nodeType="mainSeq">
-                <p:childTnLst>
-                  <p:par>
-                    <p:cTn id="3" fill="hold">
-                      <p:stCondLst>
-                        <p:cond delay="indefinite"/>
-                      </p:stCondLst>
-                      <p:childTnLst>
-                        <p:par>
-                          <p:cTn id="4" fill="hold">
-                            <p:stCondLst>
-                              <p:cond delay="0"/>
-                            </p:stCondLst>
-                            <p:childTnLst>
-                              <p:par>
-                                <p:cTn id="5" presetID="24" presetClass="emph" presetSubtype="0" fill="hold" grpId="0" nodeType="clickEffect">
-                                  <p:stCondLst>
-                                    <p:cond delay="0"/>
-                                  </p:stCondLst>
-                                  <p:childTnLst>
-                                    <p:animClr clrSpc="hsl" dir="cw">
-                                      <p:cBhvr override="childStyle">
-                                        <p:cTn id="6" dur="500" fill="hold"/>
-                                        <p:tgtEl>
-                                          <p:spTgt spid="2"/>
-                                        </p:tgtEl>
-                                        <p:attrNameLst>
-                                          <p:attrName>style.color</p:attrName>
-                                        </p:attrNameLst>
-                                      </p:cBhvr>
-                                      <p:by>
-                                        <p:hsl h="0" s="-12549" l="-25098"/>
-                                      </p:by>
-                                    </p:animClr>
-                                    <p:animClr clrSpc="hsl" dir="cw">
-                                      <p:cBhvr>
-                                        <p:cTn id="7" dur="500" fill="hold"/>
-                                        <p:tgtEl>
-                                          <p:spTgt spid="2"/>
-                                        </p:tgtEl>
-                                        <p:attrNameLst>
-                                          <p:attrName>fillcolor</p:attrName>
-                                        </p:attrNameLst>
-                                      </p:cBhvr>
-                                      <p:by>
-                                        <p:hsl h="0" s="-12549" l="-25098"/>
-                                      </p:by>
-                                    </p:animClr>
-                                    <p:animClr clrSpc="hsl" dir="cw">
-                                      <p:cBhvr>
-                                        <p:cTn id="8" dur="500" fill="hold"/>
-                                        <p:tgtEl>
-                                          <p:spTgt spid="2"/>
-                                        </p:tgtEl>
-                                        <p:attrNameLst>
-                                          <p:attrName>stroke.color</p:attrName>
-                                        </p:attrNameLst>
-                                      </p:cBhvr>
-                                      <p:by>
-                                        <p:hsl h="0" s="-12549" l="-25098"/>
-                                      </p:by>
-                                    </p:animClr>
-                                    <p:set>
-                                      <p:cBhvr>
-                                        <p:cTn id="9" dur="500" fill="hold"/>
-                                        <p:tgtEl>
-                                          <p:spTgt spid="2"/>
-                                        </p:tgtEl>
-                                        <p:attrNameLst>
-                                          <p:attrName>fill.type</p:attrName>
-                                        </p:attrNameLst>
-                                      </p:cBhvr>
-                                      <p:to>
-                                        <p:strVal val="solid"/>
-                                      </p:to>
-                                    </p:set>
-                                  </p:childTnLst>
-                                </p:cTn>
-                              </p:par>
-                            </p:childTnLst>
-                          </p:cTn>
-                        </p:par>
-                      </p:childTnLst>
-                    </p:cTn>
-                  </p:par>
-                </p:childTnLst>
-              </p:cTn>
-              <p:prevCondLst>
-                <p:cond evt="onPrev" delay="0">
-                  <p:tgtEl>
-                    <p:sldTgt/>
-                  </p:tgtEl>
-                </p:cond>
-              </p:prevCondLst>
-              <p:nextCondLst>
-                <p:cond evt="onNext" delay="0">
-                  <p:tgtEl>
-                    <p:sldTgt/>
-                  </p:tgtEl>
-                </p:cond>
-              </p:nextCondLst>
-            </p:seq>
-          </p:childTnLst>
-        </p:cTn>
-      </p:par>
-    </p:tnLst>
-    <p:bldLst>
-      <p:bldP spid="2" grpId="0"/>
-    </p:bldLst>
-  </p:timing>
 </p:sld>
 </file>
 
@@ -7403,16 +7291,8 @@
               <a:buChar char="•"/>
             </a:pPr>
             <a:r>
-              <a:rPr lang="de-DE" dirty="0"/>
-              <a:t>Anzahl Clients variiert (ohne </a:t>
-            </a:r>
-            <a:r>
               <a:rPr lang="de-DE"/>
-              <a:t>Kommunikationsreduktion</a:t>
-            </a:r>
-            <a:r>
-              <a:rPr lang="de-DE" dirty="0"/>
-              <a:t>)</a:t>
+              <a:t>Anzahl Clients variiert (ohne Kommunikationsreduktion)</a:t>
             </a:r>
           </a:p>
           <a:p>
@@ -7428,7 +7308,7 @@
               <a:buChar char="•"/>
             </a:pPr>
             <a:r>
-              <a:rPr lang="de-DE" dirty="0"/>
+              <a:rPr lang="de-DE"/>
               <a:t>Anzahl Kommunikationsrunden variiert</a:t>
             </a:r>
           </a:p>
@@ -7445,7 +7325,7 @@
               <a:buChar char="•"/>
             </a:pPr>
             <a:r>
-              <a:rPr lang="de-DE" dirty="0"/>
+              <a:rPr lang="de-DE"/>
               <a:t>Ausgelassenen Schichten variiert</a:t>
             </a:r>
           </a:p>
@@ -7455,8 +7335,12 @@
               <a:buChar char="•"/>
             </a:pPr>
             <a:r>
+              <a:rPr lang="de-DE" err="1"/>
+              <a:t>ConvLayer</a:t>
+            </a:r>
+            <a:r>
               <a:rPr lang="de-DE"/>
-              <a:t>ConvLayer 1</a:t>
+              <a:t> 1</a:t>
             </a:r>
           </a:p>
           <a:p>
@@ -7475,8 +7359,20 @@
               <a:buChar char="•"/>
             </a:pPr>
             <a:r>
+              <a:rPr lang="de-DE" err="1"/>
+              <a:t>ConvLayer</a:t>
+            </a:r>
+            <a:r>
               <a:rPr lang="de-DE"/>
-              <a:t>ConvLayer 1 + FullyConnect 1</a:t>
+              <a:t> 1 + </a:t>
+            </a:r>
+            <a:r>
+              <a:rPr lang="de-DE" err="1"/>
+              <a:t>FullyConnect</a:t>
+            </a:r>
+            <a:r>
+              <a:rPr lang="de-DE"/>
+              <a:t> 1</a:t>
             </a:r>
           </a:p>
           <a:p>
@@ -7492,8 +7388,8 @@
               <a:buChar char="•"/>
             </a:pPr>
             <a:r>
-              <a:rPr lang="de-DE" dirty="0"/>
-              <a:t>Drop in Maske variiert</a:t>
+              <a:rPr lang="de-DE"/>
+              <a:t>Dropout in Maske variiert</a:t>
             </a:r>
           </a:p>
           <a:p>
@@ -7538,122 +7434,6 @@
   <p:clrMapOvr>
     <a:masterClrMapping/>
   </p:clrMapOvr>
-  <p:timing>
-    <p:tnLst>
-      <p:par>
-        <p:cTn id="1" dur="indefinite" restart="never" nodeType="tmRoot">
-          <p:childTnLst>
-            <p:seq concurrent="1" nextAc="seek">
-              <p:cTn id="2" dur="indefinite" nodeType="mainSeq">
-                <p:childTnLst>
-                  <p:par>
-                    <p:cTn id="3" fill="hold">
-                      <p:stCondLst>
-                        <p:cond delay="indefinite"/>
-                      </p:stCondLst>
-                      <p:childTnLst>
-                        <p:par>
-                          <p:cTn id="4" fill="hold">
-                            <p:stCondLst>
-                              <p:cond delay="0"/>
-                            </p:stCondLst>
-                            <p:childTnLst>
-                              <p:par>
-                                <p:cTn id="5" presetID="24" presetClass="emph" presetSubtype="0" fill="hold" grpId="0" nodeType="clickEffect">
-                                  <p:stCondLst>
-                                    <p:cond delay="0"/>
-                                  </p:stCondLst>
-                                  <p:childTnLst>
-                                    <p:animClr clrSpc="hsl" dir="cw">
-                                      <p:cBhvr override="childStyle">
-                                        <p:cTn id="6" dur="500" fill="hold"/>
-                                        <p:tgtEl>
-                                          <p:spTgt spid="2"/>
-                                        </p:tgtEl>
-                                        <p:attrNameLst>
-                                          <p:attrName>style.color</p:attrName>
-                                        </p:attrNameLst>
-                                      </p:cBhvr>
-                                      <p:by>
-                                        <p:hsl h="0" s="-12549" l="-25098"/>
-                                      </p:by>
-                                    </p:animClr>
-                                    <p:animClr clrSpc="hsl" dir="cw">
-                                      <p:cBhvr>
-                                        <p:cTn id="7" dur="500" fill="hold"/>
-                                        <p:tgtEl>
-                                          <p:spTgt spid="2"/>
-                                        </p:tgtEl>
-                                        <p:attrNameLst>
-                                          <p:attrName>fillcolor</p:attrName>
-                                        </p:attrNameLst>
-                                      </p:cBhvr>
-                                      <p:by>
-                                        <p:hsl h="0" s="-12549" l="-25098"/>
-                                      </p:by>
-                                    </p:animClr>
-                                    <p:animClr clrSpc="hsl" dir="cw">
-                                      <p:cBhvr>
-                                        <p:cTn id="8" dur="500" fill="hold"/>
-                                        <p:tgtEl>
-                                          <p:spTgt spid="2"/>
-                                        </p:tgtEl>
-                                        <p:attrNameLst>
-                                          <p:attrName>stroke.color</p:attrName>
-                                        </p:attrNameLst>
-                                      </p:cBhvr>
-                                      <p:by>
-                                        <p:hsl h="0" s="-12549" l="-25098"/>
-                                      </p:by>
-                                    </p:animClr>
-                                    <p:set>
-                                      <p:cBhvr>
-                                        <p:cTn id="9" dur="500" fill="hold"/>
-                                        <p:tgtEl>
-                                          <p:spTgt spid="2"/>
-                                        </p:tgtEl>
-                                        <p:attrNameLst>
-                                          <p:attrName>fill.type</p:attrName>
-                                        </p:attrNameLst>
-                                      </p:cBhvr>
-                                      <p:to>
-                                        <p:strVal val="solid"/>
-                                      </p:to>
-                                    </p:set>
-                                  </p:childTnLst>
-                                </p:cTn>
-                              </p:par>
-                            </p:childTnLst>
-                          </p:cTn>
-                        </p:par>
-                      </p:childTnLst>
-                    </p:cTn>
-                  </p:par>
-                </p:childTnLst>
-              </p:cTn>
-              <p:prevCondLst>
-                <p:cond evt="onPrev" delay="0">
-                  <p:tgtEl>
-                    <p:sldTgt/>
-                  </p:tgtEl>
-                </p:cond>
-              </p:prevCondLst>
-              <p:nextCondLst>
-                <p:cond evt="onNext" delay="0">
-                  <p:tgtEl>
-                    <p:sldTgt/>
-                  </p:tgtEl>
-                </p:cond>
-              </p:nextCondLst>
-            </p:seq>
-          </p:childTnLst>
-        </p:cTn>
-      </p:par>
-    </p:tnLst>
-    <p:bldLst>
-      <p:bldP spid="2" grpId="0"/>
-    </p:bldLst>
-  </p:timing>
 </p:sld>
 </file>
 
@@ -7933,122 +7713,6 @@
   <p:clrMapOvr>
     <a:masterClrMapping/>
   </p:clrMapOvr>
-  <p:timing>
-    <p:tnLst>
-      <p:par>
-        <p:cTn id="1" dur="indefinite" restart="never" nodeType="tmRoot">
-          <p:childTnLst>
-            <p:seq concurrent="1" nextAc="seek">
-              <p:cTn id="2" dur="indefinite" nodeType="mainSeq">
-                <p:childTnLst>
-                  <p:par>
-                    <p:cTn id="3" fill="hold">
-                      <p:stCondLst>
-                        <p:cond delay="indefinite"/>
-                      </p:stCondLst>
-                      <p:childTnLst>
-                        <p:par>
-                          <p:cTn id="4" fill="hold">
-                            <p:stCondLst>
-                              <p:cond delay="0"/>
-                            </p:stCondLst>
-                            <p:childTnLst>
-                              <p:par>
-                                <p:cTn id="5" presetID="24" presetClass="emph" presetSubtype="0" fill="hold" grpId="0" nodeType="clickEffect">
-                                  <p:stCondLst>
-                                    <p:cond delay="0"/>
-                                  </p:stCondLst>
-                                  <p:childTnLst>
-                                    <p:animClr clrSpc="hsl" dir="cw">
-                                      <p:cBhvr override="childStyle">
-                                        <p:cTn id="6" dur="500" fill="hold"/>
-                                        <p:tgtEl>
-                                          <p:spTgt spid="2"/>
-                                        </p:tgtEl>
-                                        <p:attrNameLst>
-                                          <p:attrName>style.color</p:attrName>
-                                        </p:attrNameLst>
-                                      </p:cBhvr>
-                                      <p:by>
-                                        <p:hsl h="0" s="-12549" l="-25098"/>
-                                      </p:by>
-                                    </p:animClr>
-                                    <p:animClr clrSpc="hsl" dir="cw">
-                                      <p:cBhvr>
-                                        <p:cTn id="7" dur="500" fill="hold"/>
-                                        <p:tgtEl>
-                                          <p:spTgt spid="2"/>
-                                        </p:tgtEl>
-                                        <p:attrNameLst>
-                                          <p:attrName>fillcolor</p:attrName>
-                                        </p:attrNameLst>
-                                      </p:cBhvr>
-                                      <p:by>
-                                        <p:hsl h="0" s="-12549" l="-25098"/>
-                                      </p:by>
-                                    </p:animClr>
-                                    <p:animClr clrSpc="hsl" dir="cw">
-                                      <p:cBhvr>
-                                        <p:cTn id="8" dur="500" fill="hold"/>
-                                        <p:tgtEl>
-                                          <p:spTgt spid="2"/>
-                                        </p:tgtEl>
-                                        <p:attrNameLst>
-                                          <p:attrName>stroke.color</p:attrName>
-                                        </p:attrNameLst>
-                                      </p:cBhvr>
-                                      <p:by>
-                                        <p:hsl h="0" s="-12549" l="-25098"/>
-                                      </p:by>
-                                    </p:animClr>
-                                    <p:set>
-                                      <p:cBhvr>
-                                        <p:cTn id="9" dur="500" fill="hold"/>
-                                        <p:tgtEl>
-                                          <p:spTgt spid="2"/>
-                                        </p:tgtEl>
-                                        <p:attrNameLst>
-                                          <p:attrName>fill.type</p:attrName>
-                                        </p:attrNameLst>
-                                      </p:cBhvr>
-                                      <p:to>
-                                        <p:strVal val="solid"/>
-                                      </p:to>
-                                    </p:set>
-                                  </p:childTnLst>
-                                </p:cTn>
-                              </p:par>
-                            </p:childTnLst>
-                          </p:cTn>
-                        </p:par>
-                      </p:childTnLst>
-                    </p:cTn>
-                  </p:par>
-                </p:childTnLst>
-              </p:cTn>
-              <p:prevCondLst>
-                <p:cond evt="onPrev" delay="0">
-                  <p:tgtEl>
-                    <p:sldTgt/>
-                  </p:tgtEl>
-                </p:cond>
-              </p:prevCondLst>
-              <p:nextCondLst>
-                <p:cond evt="onNext" delay="0">
-                  <p:tgtEl>
-                    <p:sldTgt/>
-                  </p:tgtEl>
-                </p:cond>
-              </p:nextCondLst>
-            </p:seq>
-          </p:childTnLst>
-        </p:cTn>
-      </p:par>
-    </p:tnLst>
-    <p:bldLst>
-      <p:bldP spid="2" grpId="0"/>
-    </p:bldLst>
-  </p:timing>
 </p:sld>
 </file>
 
@@ -8328,122 +7992,6 @@
   <p:clrMapOvr>
     <a:masterClrMapping/>
   </p:clrMapOvr>
-  <p:timing>
-    <p:tnLst>
-      <p:par>
-        <p:cTn id="1" dur="indefinite" restart="never" nodeType="tmRoot">
-          <p:childTnLst>
-            <p:seq concurrent="1" nextAc="seek">
-              <p:cTn id="2" dur="indefinite" nodeType="mainSeq">
-                <p:childTnLst>
-                  <p:par>
-                    <p:cTn id="3" fill="hold">
-                      <p:stCondLst>
-                        <p:cond delay="indefinite"/>
-                      </p:stCondLst>
-                      <p:childTnLst>
-                        <p:par>
-                          <p:cTn id="4" fill="hold">
-                            <p:stCondLst>
-                              <p:cond delay="0"/>
-                            </p:stCondLst>
-                            <p:childTnLst>
-                              <p:par>
-                                <p:cTn id="5" presetID="24" presetClass="emph" presetSubtype="0" fill="hold" grpId="0" nodeType="clickEffect">
-                                  <p:stCondLst>
-                                    <p:cond delay="0"/>
-                                  </p:stCondLst>
-                                  <p:childTnLst>
-                                    <p:animClr clrSpc="hsl" dir="cw">
-                                      <p:cBhvr override="childStyle">
-                                        <p:cTn id="6" dur="500" fill="hold"/>
-                                        <p:tgtEl>
-                                          <p:spTgt spid="2"/>
-                                        </p:tgtEl>
-                                        <p:attrNameLst>
-                                          <p:attrName>style.color</p:attrName>
-                                        </p:attrNameLst>
-                                      </p:cBhvr>
-                                      <p:by>
-                                        <p:hsl h="0" s="-12549" l="-25098"/>
-                                      </p:by>
-                                    </p:animClr>
-                                    <p:animClr clrSpc="hsl" dir="cw">
-                                      <p:cBhvr>
-                                        <p:cTn id="7" dur="500" fill="hold"/>
-                                        <p:tgtEl>
-                                          <p:spTgt spid="2"/>
-                                        </p:tgtEl>
-                                        <p:attrNameLst>
-                                          <p:attrName>fillcolor</p:attrName>
-                                        </p:attrNameLst>
-                                      </p:cBhvr>
-                                      <p:by>
-                                        <p:hsl h="0" s="-12549" l="-25098"/>
-                                      </p:by>
-                                    </p:animClr>
-                                    <p:animClr clrSpc="hsl" dir="cw">
-                                      <p:cBhvr>
-                                        <p:cTn id="8" dur="500" fill="hold"/>
-                                        <p:tgtEl>
-                                          <p:spTgt spid="2"/>
-                                        </p:tgtEl>
-                                        <p:attrNameLst>
-                                          <p:attrName>stroke.color</p:attrName>
-                                        </p:attrNameLst>
-                                      </p:cBhvr>
-                                      <p:by>
-                                        <p:hsl h="0" s="-12549" l="-25098"/>
-                                      </p:by>
-                                    </p:animClr>
-                                    <p:set>
-                                      <p:cBhvr>
-                                        <p:cTn id="9" dur="500" fill="hold"/>
-                                        <p:tgtEl>
-                                          <p:spTgt spid="2"/>
-                                        </p:tgtEl>
-                                        <p:attrNameLst>
-                                          <p:attrName>fill.type</p:attrName>
-                                        </p:attrNameLst>
-                                      </p:cBhvr>
-                                      <p:to>
-                                        <p:strVal val="solid"/>
-                                      </p:to>
-                                    </p:set>
-                                  </p:childTnLst>
-                                </p:cTn>
-                              </p:par>
-                            </p:childTnLst>
-                          </p:cTn>
-                        </p:par>
-                      </p:childTnLst>
-                    </p:cTn>
-                  </p:par>
-                </p:childTnLst>
-              </p:cTn>
-              <p:prevCondLst>
-                <p:cond evt="onPrev" delay="0">
-                  <p:tgtEl>
-                    <p:sldTgt/>
-                  </p:tgtEl>
-                </p:cond>
-              </p:prevCondLst>
-              <p:nextCondLst>
-                <p:cond evt="onNext" delay="0">
-                  <p:tgtEl>
-                    <p:sldTgt/>
-                  </p:tgtEl>
-                </p:cond>
-              </p:nextCondLst>
-            </p:seq>
-          </p:childTnLst>
-        </p:cTn>
-      </p:par>
-    </p:tnLst>
-    <p:bldLst>
-      <p:bldP spid="2" grpId="0"/>
-    </p:bldLst>
-  </p:timing>
 </p:sld>
 </file>
 
@@ -8753,122 +8301,6 @@
   <p:clrMapOvr>
     <a:masterClrMapping/>
   </p:clrMapOvr>
-  <p:timing>
-    <p:tnLst>
-      <p:par>
-        <p:cTn id="1" dur="indefinite" restart="never" nodeType="tmRoot">
-          <p:childTnLst>
-            <p:seq concurrent="1" nextAc="seek">
-              <p:cTn id="2" dur="indefinite" nodeType="mainSeq">
-                <p:childTnLst>
-                  <p:par>
-                    <p:cTn id="3" fill="hold">
-                      <p:stCondLst>
-                        <p:cond delay="indefinite"/>
-                      </p:stCondLst>
-                      <p:childTnLst>
-                        <p:par>
-                          <p:cTn id="4" fill="hold">
-                            <p:stCondLst>
-                              <p:cond delay="0"/>
-                            </p:stCondLst>
-                            <p:childTnLst>
-                              <p:par>
-                                <p:cTn id="5" presetID="24" presetClass="emph" presetSubtype="0" fill="hold" grpId="0" nodeType="clickEffect">
-                                  <p:stCondLst>
-                                    <p:cond delay="0"/>
-                                  </p:stCondLst>
-                                  <p:childTnLst>
-                                    <p:animClr clrSpc="hsl" dir="cw">
-                                      <p:cBhvr override="childStyle">
-                                        <p:cTn id="6" dur="500" fill="hold"/>
-                                        <p:tgtEl>
-                                          <p:spTgt spid="2"/>
-                                        </p:tgtEl>
-                                        <p:attrNameLst>
-                                          <p:attrName>style.color</p:attrName>
-                                        </p:attrNameLst>
-                                      </p:cBhvr>
-                                      <p:by>
-                                        <p:hsl h="0" s="-12549" l="-25098"/>
-                                      </p:by>
-                                    </p:animClr>
-                                    <p:animClr clrSpc="hsl" dir="cw">
-                                      <p:cBhvr>
-                                        <p:cTn id="7" dur="500" fill="hold"/>
-                                        <p:tgtEl>
-                                          <p:spTgt spid="2"/>
-                                        </p:tgtEl>
-                                        <p:attrNameLst>
-                                          <p:attrName>fillcolor</p:attrName>
-                                        </p:attrNameLst>
-                                      </p:cBhvr>
-                                      <p:by>
-                                        <p:hsl h="0" s="-12549" l="-25098"/>
-                                      </p:by>
-                                    </p:animClr>
-                                    <p:animClr clrSpc="hsl" dir="cw">
-                                      <p:cBhvr>
-                                        <p:cTn id="8" dur="500" fill="hold"/>
-                                        <p:tgtEl>
-                                          <p:spTgt spid="2"/>
-                                        </p:tgtEl>
-                                        <p:attrNameLst>
-                                          <p:attrName>stroke.color</p:attrName>
-                                        </p:attrNameLst>
-                                      </p:cBhvr>
-                                      <p:by>
-                                        <p:hsl h="0" s="-12549" l="-25098"/>
-                                      </p:by>
-                                    </p:animClr>
-                                    <p:set>
-                                      <p:cBhvr>
-                                        <p:cTn id="9" dur="500" fill="hold"/>
-                                        <p:tgtEl>
-                                          <p:spTgt spid="2"/>
-                                        </p:tgtEl>
-                                        <p:attrNameLst>
-                                          <p:attrName>fill.type</p:attrName>
-                                        </p:attrNameLst>
-                                      </p:cBhvr>
-                                      <p:to>
-                                        <p:strVal val="solid"/>
-                                      </p:to>
-                                    </p:set>
-                                  </p:childTnLst>
-                                </p:cTn>
-                              </p:par>
-                            </p:childTnLst>
-                          </p:cTn>
-                        </p:par>
-                      </p:childTnLst>
-                    </p:cTn>
-                  </p:par>
-                </p:childTnLst>
-              </p:cTn>
-              <p:prevCondLst>
-                <p:cond evt="onPrev" delay="0">
-                  <p:tgtEl>
-                    <p:sldTgt/>
-                  </p:tgtEl>
-                </p:cond>
-              </p:prevCondLst>
-              <p:nextCondLst>
-                <p:cond evt="onNext" delay="0">
-                  <p:tgtEl>
-                    <p:sldTgt/>
-                  </p:tgtEl>
-                </p:cond>
-              </p:nextCondLst>
-            </p:seq>
-          </p:childTnLst>
-        </p:cTn>
-      </p:par>
-    </p:tnLst>
-    <p:bldLst>
-      <p:bldP spid="2" grpId="0"/>
-    </p:bldLst>
-  </p:timing>
 </p:sld>
 </file>
 
@@ -9208,122 +8640,6 @@
   <p:clrMapOvr>
     <a:masterClrMapping/>
   </p:clrMapOvr>
-  <p:timing>
-    <p:tnLst>
-      <p:par>
-        <p:cTn id="1" dur="indefinite" restart="never" nodeType="tmRoot">
-          <p:childTnLst>
-            <p:seq concurrent="1" nextAc="seek">
-              <p:cTn id="2" dur="indefinite" nodeType="mainSeq">
-                <p:childTnLst>
-                  <p:par>
-                    <p:cTn id="3" fill="hold">
-                      <p:stCondLst>
-                        <p:cond delay="indefinite"/>
-                      </p:stCondLst>
-                      <p:childTnLst>
-                        <p:par>
-                          <p:cTn id="4" fill="hold">
-                            <p:stCondLst>
-                              <p:cond delay="0"/>
-                            </p:stCondLst>
-                            <p:childTnLst>
-                              <p:par>
-                                <p:cTn id="5" presetID="24" presetClass="emph" presetSubtype="0" fill="hold" grpId="0" nodeType="clickEffect">
-                                  <p:stCondLst>
-                                    <p:cond delay="0"/>
-                                  </p:stCondLst>
-                                  <p:childTnLst>
-                                    <p:animClr clrSpc="hsl" dir="cw">
-                                      <p:cBhvr override="childStyle">
-                                        <p:cTn id="6" dur="500" fill="hold"/>
-                                        <p:tgtEl>
-                                          <p:spTgt spid="2"/>
-                                        </p:tgtEl>
-                                        <p:attrNameLst>
-                                          <p:attrName>style.color</p:attrName>
-                                        </p:attrNameLst>
-                                      </p:cBhvr>
-                                      <p:by>
-                                        <p:hsl h="0" s="-12549" l="-25098"/>
-                                      </p:by>
-                                    </p:animClr>
-                                    <p:animClr clrSpc="hsl" dir="cw">
-                                      <p:cBhvr>
-                                        <p:cTn id="7" dur="500" fill="hold"/>
-                                        <p:tgtEl>
-                                          <p:spTgt spid="2"/>
-                                        </p:tgtEl>
-                                        <p:attrNameLst>
-                                          <p:attrName>fillcolor</p:attrName>
-                                        </p:attrNameLst>
-                                      </p:cBhvr>
-                                      <p:by>
-                                        <p:hsl h="0" s="-12549" l="-25098"/>
-                                      </p:by>
-                                    </p:animClr>
-                                    <p:animClr clrSpc="hsl" dir="cw">
-                                      <p:cBhvr>
-                                        <p:cTn id="8" dur="500" fill="hold"/>
-                                        <p:tgtEl>
-                                          <p:spTgt spid="2"/>
-                                        </p:tgtEl>
-                                        <p:attrNameLst>
-                                          <p:attrName>stroke.color</p:attrName>
-                                        </p:attrNameLst>
-                                      </p:cBhvr>
-                                      <p:by>
-                                        <p:hsl h="0" s="-12549" l="-25098"/>
-                                      </p:by>
-                                    </p:animClr>
-                                    <p:set>
-                                      <p:cBhvr>
-                                        <p:cTn id="9" dur="500" fill="hold"/>
-                                        <p:tgtEl>
-                                          <p:spTgt spid="2"/>
-                                        </p:tgtEl>
-                                        <p:attrNameLst>
-                                          <p:attrName>fill.type</p:attrName>
-                                        </p:attrNameLst>
-                                      </p:cBhvr>
-                                      <p:to>
-                                        <p:strVal val="solid"/>
-                                      </p:to>
-                                    </p:set>
-                                  </p:childTnLst>
-                                </p:cTn>
-                              </p:par>
-                            </p:childTnLst>
-                          </p:cTn>
-                        </p:par>
-                      </p:childTnLst>
-                    </p:cTn>
-                  </p:par>
-                </p:childTnLst>
-              </p:cTn>
-              <p:prevCondLst>
-                <p:cond evt="onPrev" delay="0">
-                  <p:tgtEl>
-                    <p:sldTgt/>
-                  </p:tgtEl>
-                </p:cond>
-              </p:prevCondLst>
-              <p:nextCondLst>
-                <p:cond evt="onNext" delay="0">
-                  <p:tgtEl>
-                    <p:sldTgt/>
-                  </p:tgtEl>
-                </p:cond>
-              </p:nextCondLst>
-            </p:seq>
-          </p:childTnLst>
-        </p:cTn>
-      </p:par>
-    </p:tnLst>
-    <p:bldLst>
-      <p:bldP spid="2" grpId="0"/>
-    </p:bldLst>
-  </p:timing>
 </p:sld>
 </file>
 
@@ -9842,122 +9158,6 @@
   <p:clrMapOvr>
     <a:masterClrMapping/>
   </p:clrMapOvr>
-  <p:timing>
-    <p:tnLst>
-      <p:par>
-        <p:cTn id="1" dur="indefinite" restart="never" nodeType="tmRoot">
-          <p:childTnLst>
-            <p:seq concurrent="1" nextAc="seek">
-              <p:cTn id="2" dur="indefinite" nodeType="mainSeq">
-                <p:childTnLst>
-                  <p:par>
-                    <p:cTn id="3" fill="hold">
-                      <p:stCondLst>
-                        <p:cond delay="indefinite"/>
-                      </p:stCondLst>
-                      <p:childTnLst>
-                        <p:par>
-                          <p:cTn id="4" fill="hold">
-                            <p:stCondLst>
-                              <p:cond delay="0"/>
-                            </p:stCondLst>
-                            <p:childTnLst>
-                              <p:par>
-                                <p:cTn id="5" presetID="24" presetClass="emph" presetSubtype="0" fill="hold" grpId="0" nodeType="clickEffect">
-                                  <p:stCondLst>
-                                    <p:cond delay="0"/>
-                                  </p:stCondLst>
-                                  <p:childTnLst>
-                                    <p:animClr clrSpc="hsl" dir="cw">
-                                      <p:cBhvr override="childStyle">
-                                        <p:cTn id="6" dur="500" fill="hold"/>
-                                        <p:tgtEl>
-                                          <p:spTgt spid="2"/>
-                                        </p:tgtEl>
-                                        <p:attrNameLst>
-                                          <p:attrName>style.color</p:attrName>
-                                        </p:attrNameLst>
-                                      </p:cBhvr>
-                                      <p:by>
-                                        <p:hsl h="0" s="-12549" l="-25098"/>
-                                      </p:by>
-                                    </p:animClr>
-                                    <p:animClr clrSpc="hsl" dir="cw">
-                                      <p:cBhvr>
-                                        <p:cTn id="7" dur="500" fill="hold"/>
-                                        <p:tgtEl>
-                                          <p:spTgt spid="2"/>
-                                        </p:tgtEl>
-                                        <p:attrNameLst>
-                                          <p:attrName>fillcolor</p:attrName>
-                                        </p:attrNameLst>
-                                      </p:cBhvr>
-                                      <p:by>
-                                        <p:hsl h="0" s="-12549" l="-25098"/>
-                                      </p:by>
-                                    </p:animClr>
-                                    <p:animClr clrSpc="hsl" dir="cw">
-                                      <p:cBhvr>
-                                        <p:cTn id="8" dur="500" fill="hold"/>
-                                        <p:tgtEl>
-                                          <p:spTgt spid="2"/>
-                                        </p:tgtEl>
-                                        <p:attrNameLst>
-                                          <p:attrName>stroke.color</p:attrName>
-                                        </p:attrNameLst>
-                                      </p:cBhvr>
-                                      <p:by>
-                                        <p:hsl h="0" s="-12549" l="-25098"/>
-                                      </p:by>
-                                    </p:animClr>
-                                    <p:set>
-                                      <p:cBhvr>
-                                        <p:cTn id="9" dur="500" fill="hold"/>
-                                        <p:tgtEl>
-                                          <p:spTgt spid="2"/>
-                                        </p:tgtEl>
-                                        <p:attrNameLst>
-                                          <p:attrName>fill.type</p:attrName>
-                                        </p:attrNameLst>
-                                      </p:cBhvr>
-                                      <p:to>
-                                        <p:strVal val="solid"/>
-                                      </p:to>
-                                    </p:set>
-                                  </p:childTnLst>
-                                </p:cTn>
-                              </p:par>
-                            </p:childTnLst>
-                          </p:cTn>
-                        </p:par>
-                      </p:childTnLst>
-                    </p:cTn>
-                  </p:par>
-                </p:childTnLst>
-              </p:cTn>
-              <p:prevCondLst>
-                <p:cond evt="onPrev" delay="0">
-                  <p:tgtEl>
-                    <p:sldTgt/>
-                  </p:tgtEl>
-                </p:cond>
-              </p:prevCondLst>
-              <p:nextCondLst>
-                <p:cond evt="onNext" delay="0">
-                  <p:tgtEl>
-                    <p:sldTgt/>
-                  </p:tgtEl>
-                </p:cond>
-              </p:nextCondLst>
-            </p:seq>
-          </p:childTnLst>
-        </p:cTn>
-      </p:par>
-    </p:tnLst>
-    <p:bldLst>
-      <p:bldP spid="2" grpId="0"/>
-    </p:bldLst>
-  </p:timing>
 </p:sld>
 </file>
 
@@ -10483,176 +9683,6 @@
   <p:clrMapOvr>
     <a:masterClrMapping/>
   </p:clrMapOvr>
-  <p:timing>
-    <p:tnLst>
-      <p:par>
-        <p:cTn id="1" dur="indefinite" restart="never" nodeType="tmRoot">
-          <p:childTnLst>
-            <p:seq concurrent="1" nextAc="seek">
-              <p:cTn id="2" dur="indefinite" nodeType="mainSeq">
-                <p:childTnLst>
-                  <p:par>
-                    <p:cTn id="3" fill="hold">
-                      <p:stCondLst>
-                        <p:cond delay="indefinite"/>
-                      </p:stCondLst>
-                      <p:childTnLst>
-                        <p:par>
-                          <p:cTn id="4" fill="hold">
-                            <p:stCondLst>
-                              <p:cond delay="0"/>
-                            </p:stCondLst>
-                            <p:childTnLst>
-                              <p:par>
-                                <p:cTn id="5" presetID="10" presetClass="exit" presetSubtype="0" fill="hold" grpId="0" nodeType="clickEffect">
-                                  <p:stCondLst>
-                                    <p:cond delay="0"/>
-                                  </p:stCondLst>
-                                  <p:childTnLst>
-                                    <p:animEffect transition="out" filter="fade">
-                                      <p:cBhvr>
-                                        <p:cTn id="6" dur="500"/>
-                                        <p:tgtEl>
-                                          <p:spTgt spid="4"/>
-                                        </p:tgtEl>
-                                      </p:cBhvr>
-                                    </p:animEffect>
-                                    <p:set>
-                                      <p:cBhvr>
-                                        <p:cTn id="7" dur="1" fill="hold">
-                                          <p:stCondLst>
-                                            <p:cond delay="499"/>
-                                          </p:stCondLst>
-                                        </p:cTn>
-                                        <p:tgtEl>
-                                          <p:spTgt spid="4"/>
-                                        </p:tgtEl>
-                                        <p:attrNameLst>
-                                          <p:attrName>style.visibility</p:attrName>
-                                        </p:attrNameLst>
-                                      </p:cBhvr>
-                                      <p:to>
-                                        <p:strVal val="hidden"/>
-                                      </p:to>
-                                    </p:set>
-                                  </p:childTnLst>
-                                </p:cTn>
-                              </p:par>
-                            </p:childTnLst>
-                          </p:cTn>
-                        </p:par>
-                      </p:childTnLst>
-                    </p:cTn>
-                  </p:par>
-                  <p:par>
-                    <p:cTn id="8" fill="hold">
-                      <p:stCondLst>
-                        <p:cond delay="indefinite"/>
-                      </p:stCondLst>
-                      <p:childTnLst>
-                        <p:par>
-                          <p:cTn id="9" fill="hold">
-                            <p:stCondLst>
-                              <p:cond delay="0"/>
-                            </p:stCondLst>
-                            <p:childTnLst>
-                              <p:par>
-                                <p:cTn id="10" presetID="24" presetClass="emph" presetSubtype="0" fill="hold" grpId="0" nodeType="clickEffect">
-                                  <p:stCondLst>
-                                    <p:cond delay="0"/>
-                                  </p:stCondLst>
-                                  <p:childTnLst>
-                                    <p:animClr clrSpc="hsl" dir="cw">
-                                      <p:cBhvr override="childStyle">
-                                        <p:cTn id="11" dur="500" fill="hold"/>
-                                        <p:tgtEl>
-                                          <p:spTgt spid="2"/>
-                                        </p:tgtEl>
-                                        <p:attrNameLst>
-                                          <p:attrName>style.color</p:attrName>
-                                        </p:attrNameLst>
-                                      </p:cBhvr>
-                                      <p:by>
-                                        <p:hsl h="0" s="-12549" l="-25098"/>
-                                      </p:by>
-                                    </p:animClr>
-                                    <p:animClr clrSpc="hsl" dir="cw">
-                                      <p:cBhvr>
-                                        <p:cTn id="12" dur="500" fill="hold"/>
-                                        <p:tgtEl>
-                                          <p:spTgt spid="2"/>
-                                        </p:tgtEl>
-                                        <p:attrNameLst>
-                                          <p:attrName>fillcolor</p:attrName>
-                                        </p:attrNameLst>
-                                      </p:cBhvr>
-                                      <p:by>
-                                        <p:hsl h="0" s="-12549" l="-25098"/>
-                                      </p:by>
-                                    </p:animClr>
-                                    <p:animClr clrSpc="hsl" dir="cw">
-                                      <p:cBhvr>
-                                        <p:cTn id="13" dur="500" fill="hold"/>
-                                        <p:tgtEl>
-                                          <p:spTgt spid="2"/>
-                                        </p:tgtEl>
-                                        <p:attrNameLst>
-                                          <p:attrName>stroke.color</p:attrName>
-                                        </p:attrNameLst>
-                                      </p:cBhvr>
-                                      <p:by>
-                                        <p:hsl h="0" s="-12549" l="-25098"/>
-                                      </p:by>
-                                    </p:animClr>
-                                    <p:set>
-                                      <p:cBhvr>
-                                        <p:cTn id="14" dur="500" fill="hold"/>
-                                        <p:tgtEl>
-                                          <p:spTgt spid="2"/>
-                                        </p:tgtEl>
-                                        <p:attrNameLst>
-                                          <p:attrName>fill.type</p:attrName>
-                                        </p:attrNameLst>
-                                      </p:cBhvr>
-                                      <p:to>
-                                        <p:strVal val="solid"/>
-                                      </p:to>
-                                    </p:set>
-                                  </p:childTnLst>
-                                </p:cTn>
-                              </p:par>
-                            </p:childTnLst>
-                          </p:cTn>
-                        </p:par>
-                      </p:childTnLst>
-                    </p:cTn>
-                  </p:par>
-                </p:childTnLst>
-              </p:cTn>
-              <p:prevCondLst>
-                <p:cond evt="onPrev" delay="0">
-                  <p:tgtEl>
-                    <p:sldTgt/>
-                  </p:tgtEl>
-                </p:cond>
-              </p:prevCondLst>
-              <p:nextCondLst>
-                <p:cond evt="onNext" delay="0">
-                  <p:tgtEl>
-                    <p:sldTgt/>
-                  </p:tgtEl>
-                </p:cond>
-              </p:nextCondLst>
-            </p:seq>
-          </p:childTnLst>
-        </p:cTn>
-      </p:par>
-    </p:tnLst>
-    <p:bldLst>
-      <p:bldP spid="2" grpId="0"/>
-      <p:bldP spid="4" grpId="0"/>
-    </p:bldLst>
-  </p:timing>
 </p:sld>
 </file>
 
@@ -10986,122 +10016,6 @@
   <p:clrMapOvr>
     <a:masterClrMapping/>
   </p:clrMapOvr>
-  <p:timing>
-    <p:tnLst>
-      <p:par>
-        <p:cTn id="1" dur="indefinite" restart="never" nodeType="tmRoot">
-          <p:childTnLst>
-            <p:seq concurrent="1" nextAc="seek">
-              <p:cTn id="2" dur="indefinite" nodeType="mainSeq">
-                <p:childTnLst>
-                  <p:par>
-                    <p:cTn id="3" fill="hold">
-                      <p:stCondLst>
-                        <p:cond delay="indefinite"/>
-                      </p:stCondLst>
-                      <p:childTnLst>
-                        <p:par>
-                          <p:cTn id="4" fill="hold">
-                            <p:stCondLst>
-                              <p:cond delay="0"/>
-                            </p:stCondLst>
-                            <p:childTnLst>
-                              <p:par>
-                                <p:cTn id="5" presetID="24" presetClass="emph" presetSubtype="0" fill="hold" grpId="0" nodeType="clickEffect">
-                                  <p:stCondLst>
-                                    <p:cond delay="0"/>
-                                  </p:stCondLst>
-                                  <p:childTnLst>
-                                    <p:animClr clrSpc="hsl" dir="cw">
-                                      <p:cBhvr override="childStyle">
-                                        <p:cTn id="6" dur="500" fill="hold"/>
-                                        <p:tgtEl>
-                                          <p:spTgt spid="2"/>
-                                        </p:tgtEl>
-                                        <p:attrNameLst>
-                                          <p:attrName>style.color</p:attrName>
-                                        </p:attrNameLst>
-                                      </p:cBhvr>
-                                      <p:by>
-                                        <p:hsl h="0" s="-12549" l="-25098"/>
-                                      </p:by>
-                                    </p:animClr>
-                                    <p:animClr clrSpc="hsl" dir="cw">
-                                      <p:cBhvr>
-                                        <p:cTn id="7" dur="500" fill="hold"/>
-                                        <p:tgtEl>
-                                          <p:spTgt spid="2"/>
-                                        </p:tgtEl>
-                                        <p:attrNameLst>
-                                          <p:attrName>fillcolor</p:attrName>
-                                        </p:attrNameLst>
-                                      </p:cBhvr>
-                                      <p:by>
-                                        <p:hsl h="0" s="-12549" l="-25098"/>
-                                      </p:by>
-                                    </p:animClr>
-                                    <p:animClr clrSpc="hsl" dir="cw">
-                                      <p:cBhvr>
-                                        <p:cTn id="8" dur="500" fill="hold"/>
-                                        <p:tgtEl>
-                                          <p:spTgt spid="2"/>
-                                        </p:tgtEl>
-                                        <p:attrNameLst>
-                                          <p:attrName>stroke.color</p:attrName>
-                                        </p:attrNameLst>
-                                      </p:cBhvr>
-                                      <p:by>
-                                        <p:hsl h="0" s="-12549" l="-25098"/>
-                                      </p:by>
-                                    </p:animClr>
-                                    <p:set>
-                                      <p:cBhvr>
-                                        <p:cTn id="9" dur="500" fill="hold"/>
-                                        <p:tgtEl>
-                                          <p:spTgt spid="2"/>
-                                        </p:tgtEl>
-                                        <p:attrNameLst>
-                                          <p:attrName>fill.type</p:attrName>
-                                        </p:attrNameLst>
-                                      </p:cBhvr>
-                                      <p:to>
-                                        <p:strVal val="solid"/>
-                                      </p:to>
-                                    </p:set>
-                                  </p:childTnLst>
-                                </p:cTn>
-                              </p:par>
-                            </p:childTnLst>
-                          </p:cTn>
-                        </p:par>
-                      </p:childTnLst>
-                    </p:cTn>
-                  </p:par>
-                </p:childTnLst>
-              </p:cTn>
-              <p:prevCondLst>
-                <p:cond evt="onPrev" delay="0">
-                  <p:tgtEl>
-                    <p:sldTgt/>
-                  </p:tgtEl>
-                </p:cond>
-              </p:prevCondLst>
-              <p:nextCondLst>
-                <p:cond evt="onNext" delay="0">
-                  <p:tgtEl>
-                    <p:sldTgt/>
-                  </p:tgtEl>
-                </p:cond>
-              </p:nextCondLst>
-            </p:seq>
-          </p:childTnLst>
-        </p:cTn>
-      </p:par>
-    </p:tnLst>
-    <p:bldLst>
-      <p:bldP spid="2" grpId="0"/>
-    </p:bldLst>
-  </p:timing>
 </p:sld>
 </file>
 
@@ -11132,6 +10046,200 @@
       </p:grpSpPr>
       <p:sp>
         <p:nvSpPr>
+          <p:cNvPr id="4" name="Rechteck: abgerundete Ecken 3">
+            <a:extLst>
+              <a:ext uri="{FF2B5EF4-FFF2-40B4-BE49-F238E27FC236}">
+                <a16:creationId xmlns:a16="http://schemas.microsoft.com/office/drawing/2014/main" id="{4A007CF9-DA07-4FE7-A77B-5A077906D831}"/>
+              </a:ext>
+            </a:extLst>
+          </p:cNvPr>
+          <p:cNvSpPr/>
+          <p:nvPr/>
+        </p:nvSpPr>
+        <p:spPr>
+          <a:xfrm>
+            <a:off x="1624129" y="4265993"/>
+            <a:ext cx="581638" cy="313206"/>
+          </a:xfrm>
+          <a:prstGeom prst="roundRect">
+            <a:avLst/>
+          </a:prstGeom>
+          <a:solidFill>
+            <a:srgbClr val="83B818"/>
+          </a:solidFill>
+          <a:ln w="28575"/>
+        </p:spPr>
+        <p:style>
+          <a:lnRef idx="2">
+            <a:schemeClr val="accent1">
+              <a:shade val="50000"/>
+            </a:schemeClr>
+          </a:lnRef>
+          <a:fillRef idx="1">
+            <a:schemeClr val="accent1"/>
+          </a:fillRef>
+          <a:effectRef idx="0">
+            <a:schemeClr val="accent1"/>
+          </a:effectRef>
+          <a:fontRef idx="minor">
+            <a:schemeClr val="lt1"/>
+          </a:fontRef>
+        </p:style>
+        <p:txBody>
+          <a:bodyPr rtlCol="0" anchor="ctr"/>
+          <a:lstStyle/>
+          <a:p>
+            <a:pPr algn="ctr"/>
+            <a:endParaRPr lang="de-DE"/>
+          </a:p>
+        </p:txBody>
+      </p:sp>
+      <p:sp>
+        <p:nvSpPr>
+          <p:cNvPr id="10" name="TextBox 9">
+            <a:extLst>
+              <a:ext uri="{FF2B5EF4-FFF2-40B4-BE49-F238E27FC236}">
+                <a16:creationId xmlns:a16="http://schemas.microsoft.com/office/drawing/2014/main" id="{AF43566B-F8EA-4153-AC7E-D206A0E4AE39}"/>
+              </a:ext>
+            </a:extLst>
+          </p:cNvPr>
+          <p:cNvSpPr txBox="1"/>
+          <p:nvPr/>
+        </p:nvSpPr>
+        <p:spPr>
+          <a:xfrm>
+            <a:off x="711410" y="2068929"/>
+            <a:ext cx="6106332" cy="3693319"/>
+          </a:xfrm>
+          <a:prstGeom prst="rect">
+            <a:avLst/>
+          </a:prstGeom>
+          <a:noFill/>
+        </p:spPr>
+        <p:txBody>
+          <a:bodyPr wrap="square" lIns="91440" tIns="45720" rIns="91440" bIns="45720" anchor="t">
+            <a:spAutoFit/>
+          </a:bodyPr>
+          <a:lstStyle/>
+          <a:p>
+            <a:r>
+              <a:rPr lang="de-DE">
+                <a:solidFill>
+                  <a:srgbClr val="486113"/>
+                </a:solidFill>
+              </a:rPr>
+              <a:t>Server </a:t>
+            </a:r>
+          </a:p>
+          <a:p>
+            <a:endParaRPr lang="de-DE">
+              <a:solidFill>
+                <a:srgbClr val="486113"/>
+              </a:solidFill>
+            </a:endParaRPr>
+          </a:p>
+          <a:p>
+            <a:r>
+              <a:rPr lang="de-DE">
+                <a:solidFill>
+                  <a:srgbClr val="486113"/>
+                </a:solidFill>
+              </a:rPr>
+              <a:t>1. for communication rounds :</a:t>
+            </a:r>
+          </a:p>
+          <a:p>
+            <a:pPr>
+              <a:lnSpc>
+                <a:spcPct val="150000"/>
+              </a:lnSpc>
+            </a:pPr>
+            <a:r>
+              <a:rPr lang="de-DE">
+                <a:solidFill>
+                  <a:srgbClr val="486113"/>
+                </a:solidFill>
+              </a:rPr>
+              <a:t>       1.1 Start training on client</a:t>
+            </a:r>
+          </a:p>
+          <a:p>
+            <a:pPr>
+              <a:lnSpc>
+                <a:spcPct val="150000"/>
+              </a:lnSpc>
+            </a:pPr>
+            <a:r>
+              <a:rPr lang="de-DE">
+                <a:solidFill>
+                  <a:srgbClr val="486113"/>
+                </a:solidFill>
+              </a:rPr>
+              <a:t>       1.2 Wait for local client update</a:t>
+            </a:r>
+          </a:p>
+          <a:p>
+            <a:pPr>
+              <a:lnSpc>
+                <a:spcPct val="150000"/>
+              </a:lnSpc>
+            </a:pPr>
+            <a:r>
+              <a:rPr lang="de-DE">
+                <a:solidFill>
+                  <a:srgbClr val="486113"/>
+                </a:solidFill>
+              </a:rPr>
+              <a:t>       1.3 Aggregate updates</a:t>
+            </a:r>
+          </a:p>
+          <a:p>
+            <a:pPr>
+              <a:lnSpc>
+                <a:spcPct val="150000"/>
+              </a:lnSpc>
+            </a:pPr>
+            <a:r>
+              <a:rPr lang="de-DE">
+                <a:solidFill>
+                  <a:srgbClr val="486113"/>
+                </a:solidFill>
+              </a:rPr>
+              <a:t>       1.4 Send aggregated updated back</a:t>
+            </a:r>
+          </a:p>
+          <a:p>
+            <a:endParaRPr lang="de-DE">
+              <a:solidFill>
+                <a:srgbClr val="486113"/>
+              </a:solidFill>
+            </a:endParaRPr>
+          </a:p>
+          <a:p>
+            <a:endParaRPr lang="de-DE">
+              <a:solidFill>
+                <a:srgbClr val="486113"/>
+              </a:solidFill>
+            </a:endParaRPr>
+          </a:p>
+          <a:p>
+            <a:endParaRPr lang="de-DE">
+              <a:solidFill>
+                <a:srgbClr val="486113"/>
+              </a:solidFill>
+            </a:endParaRPr>
+          </a:p>
+          <a:p>
+            <a:endParaRPr lang="de-DE">
+              <a:solidFill>
+                <a:srgbClr val="486113"/>
+              </a:solidFill>
+            </a:endParaRPr>
+          </a:p>
+        </p:txBody>
+      </p:sp>
+      <p:sp>
+        <p:nvSpPr>
           <p:cNvPr id="2" name="Title 1">
             <a:extLst>
               <a:ext uri="{FF2B5EF4-FFF2-40B4-BE49-F238E27FC236}">
@@ -11364,7 +10472,12 @@
             <p:ph type="sldNum" sz="quarter" idx="12"/>
           </p:nvPr>
         </p:nvSpPr>
-        <p:spPr/>
+        <p:spPr>
+          <a:xfrm>
+            <a:off x="6181398" y="3856215"/>
+            <a:ext cx="683339" cy="365125"/>
+          </a:xfrm>
+        </p:spPr>
         <p:txBody>
           <a:bodyPr/>
           <a:lstStyle/>
@@ -11379,10 +10492,10 @@
       </p:sp>
       <p:sp>
         <p:nvSpPr>
-          <p:cNvPr id="4" name="Rechteck: abgerundete Ecken 3">
+          <p:cNvPr id="18" name="Rectangle: Rounded Corners 17">
             <a:extLst>
               <a:ext uri="{FF2B5EF4-FFF2-40B4-BE49-F238E27FC236}">
-                <a16:creationId xmlns:a16="http://schemas.microsoft.com/office/drawing/2014/main" id="{4A007CF9-DA07-4FE7-A77B-5A077906D831}"/>
+                <a16:creationId xmlns:a16="http://schemas.microsoft.com/office/drawing/2014/main" id="{4621BFCB-D0CC-4663-9669-4CF9B9446D4B}"/>
               </a:ext>
             </a:extLst>
           </p:cNvPr>
@@ -11391,16 +10504,12 @@
         </p:nvSpPr>
         <p:spPr>
           <a:xfrm>
-            <a:off x="1615470" y="4222698"/>
-            <a:ext cx="581638" cy="313206"/>
+            <a:off x="6186310" y="3462108"/>
+            <a:ext cx="596739" cy="276225"/>
           </a:xfrm>
           <a:prstGeom prst="roundRect">
             <a:avLst/>
           </a:prstGeom>
-          <a:solidFill>
-            <a:srgbClr val="83B818"/>
-          </a:solidFill>
-          <a:ln w="28575"/>
         </p:spPr>
         <p:style>
           <a:lnRef idx="2">
@@ -11429,154 +10538,10 @@
       </p:sp>
       <p:sp>
         <p:nvSpPr>
-          <p:cNvPr id="10" name="TextBox 9">
+          <p:cNvPr id="19" name="Rectangle: Rounded Corners 18">
             <a:extLst>
               <a:ext uri="{FF2B5EF4-FFF2-40B4-BE49-F238E27FC236}">
-                <a16:creationId xmlns:a16="http://schemas.microsoft.com/office/drawing/2014/main" id="{AF43566B-F8EA-4153-AC7E-D206A0E4AE39}"/>
-              </a:ext>
-            </a:extLst>
-          </p:cNvPr>
-          <p:cNvSpPr txBox="1"/>
-          <p:nvPr/>
-        </p:nvSpPr>
-        <p:spPr>
-          <a:xfrm>
-            <a:off x="711410" y="2068929"/>
-            <a:ext cx="6106332" cy="3693319"/>
-          </a:xfrm>
-          <a:prstGeom prst="rect">
-            <a:avLst/>
-          </a:prstGeom>
-          <a:noFill/>
-        </p:spPr>
-        <p:txBody>
-          <a:bodyPr wrap="square" lIns="91440" tIns="45720" rIns="91440" bIns="45720" anchor="t">
-            <a:spAutoFit/>
-          </a:bodyPr>
-          <a:lstStyle/>
-          <a:p>
-            <a:r>
-              <a:rPr lang="de-DE">
-                <a:solidFill>
-                  <a:srgbClr val="486113"/>
-                </a:solidFill>
-              </a:rPr>
-              <a:t>Server </a:t>
-            </a:r>
-          </a:p>
-          <a:p>
-            <a:endParaRPr lang="de-DE">
-              <a:solidFill>
-                <a:srgbClr val="486113"/>
-              </a:solidFill>
-            </a:endParaRPr>
-          </a:p>
-          <a:p>
-            <a:r>
-              <a:rPr lang="de-DE">
-                <a:solidFill>
-                  <a:srgbClr val="486113"/>
-                </a:solidFill>
-              </a:rPr>
-              <a:t>1. for communication rounds :</a:t>
-            </a:r>
-          </a:p>
-          <a:p>
-            <a:pPr>
-              <a:lnSpc>
-                <a:spcPct val="150000"/>
-              </a:lnSpc>
-            </a:pPr>
-            <a:r>
-              <a:rPr lang="de-DE">
-                <a:solidFill>
-                  <a:srgbClr val="486113"/>
-                </a:solidFill>
-              </a:rPr>
-              <a:t>       1.1 Start training on client</a:t>
-            </a:r>
-          </a:p>
-          <a:p>
-            <a:pPr>
-              <a:lnSpc>
-                <a:spcPct val="150000"/>
-              </a:lnSpc>
-            </a:pPr>
-            <a:r>
-              <a:rPr lang="de-DE">
-                <a:solidFill>
-                  <a:srgbClr val="486113"/>
-                </a:solidFill>
-              </a:rPr>
-              <a:t>       1.2 Wait for local client update</a:t>
-            </a:r>
-          </a:p>
-          <a:p>
-            <a:pPr>
-              <a:lnSpc>
-                <a:spcPct val="150000"/>
-              </a:lnSpc>
-            </a:pPr>
-            <a:r>
-              <a:rPr lang="de-DE">
-                <a:solidFill>
-                  <a:srgbClr val="486113"/>
-                </a:solidFill>
-              </a:rPr>
-              <a:t>       1.3 Aggregate updates</a:t>
-            </a:r>
-          </a:p>
-          <a:p>
-            <a:pPr>
-              <a:lnSpc>
-                <a:spcPct val="150000"/>
-              </a:lnSpc>
-            </a:pPr>
-            <a:r>
-              <a:rPr lang="de-DE">
-                <a:solidFill>
-                  <a:srgbClr val="486113"/>
-                </a:solidFill>
-              </a:rPr>
-              <a:t>       1.4 Send aggregated updated back</a:t>
-            </a:r>
-          </a:p>
-          <a:p>
-            <a:endParaRPr lang="de-DE">
-              <a:solidFill>
-                <a:srgbClr val="486113"/>
-              </a:solidFill>
-            </a:endParaRPr>
-          </a:p>
-          <a:p>
-            <a:endParaRPr lang="de-DE">
-              <a:solidFill>
-                <a:srgbClr val="486113"/>
-              </a:solidFill>
-            </a:endParaRPr>
-          </a:p>
-          <a:p>
-            <a:endParaRPr lang="de-DE">
-              <a:solidFill>
-                <a:srgbClr val="486113"/>
-              </a:solidFill>
-            </a:endParaRPr>
-          </a:p>
-          <a:p>
-            <a:endParaRPr lang="de-DE">
-              <a:solidFill>
-                <a:srgbClr val="486113"/>
-              </a:solidFill>
-            </a:endParaRPr>
-          </a:p>
-        </p:txBody>
-      </p:sp>
-      <p:sp>
-        <p:nvSpPr>
-          <p:cNvPr id="18" name="Rectangle: Rounded Corners 17">
-            <a:extLst>
-              <a:ext uri="{FF2B5EF4-FFF2-40B4-BE49-F238E27FC236}">
-                <a16:creationId xmlns:a16="http://schemas.microsoft.com/office/drawing/2014/main" id="{4621BFCB-D0CC-4663-9669-4CF9B9446D4B}"/>
+                <a16:creationId xmlns:a16="http://schemas.microsoft.com/office/drawing/2014/main" id="{2EB08FE3-3FF8-441A-B544-0DEA18131C8C}"/>
               </a:ext>
             </a:extLst>
           </p:cNvPr>
@@ -11585,8 +10550,8 @@
         </p:nvSpPr>
         <p:spPr>
           <a:xfrm>
-            <a:off x="6657975" y="3429000"/>
-            <a:ext cx="596739" cy="276225"/>
+            <a:off x="6187328" y="3861180"/>
+            <a:ext cx="895350" cy="276225"/>
           </a:xfrm>
           <a:prstGeom prst="roundRect">
             <a:avLst/>
@@ -11619,10 +10584,288 @@
       </p:sp>
       <p:sp>
         <p:nvSpPr>
-          <p:cNvPr id="19" name="Rectangle: Rounded Corners 18">
+          <p:cNvPr id="5" name="TextBox 9">
             <a:extLst>
               <a:ext uri="{FF2B5EF4-FFF2-40B4-BE49-F238E27FC236}">
-                <a16:creationId xmlns:a16="http://schemas.microsoft.com/office/drawing/2014/main" id="{2EB08FE3-3FF8-441A-B544-0DEA18131C8C}"/>
+                <a16:creationId xmlns:a16="http://schemas.microsoft.com/office/drawing/2014/main" id="{27332328-D4E1-4FD0-B1A0-E2490D2ACADD}"/>
+              </a:ext>
+            </a:extLst>
+          </p:cNvPr>
+          <p:cNvSpPr txBox="1"/>
+          <p:nvPr/>
+        </p:nvSpPr>
+        <p:spPr>
+          <a:xfrm>
+            <a:off x="5879038" y="2068929"/>
+            <a:ext cx="6106332" cy="3693319"/>
+          </a:xfrm>
+          <a:prstGeom prst="rect">
+            <a:avLst/>
+          </a:prstGeom>
+          <a:noFill/>
+        </p:spPr>
+        <p:txBody>
+          <a:bodyPr wrap="square" lIns="91440" tIns="45720" rIns="91440" bIns="45720" anchor="t">
+            <a:spAutoFit/>
+          </a:bodyPr>
+          <a:lstStyle/>
+          <a:p>
+            <a:r>
+              <a:rPr lang="de-DE">
+                <a:solidFill>
+                  <a:srgbClr val="486113"/>
+                </a:solidFill>
+              </a:rPr>
+              <a:t>Client </a:t>
+            </a:r>
+          </a:p>
+          <a:p>
+            <a:endParaRPr lang="de-DE">
+              <a:solidFill>
+                <a:srgbClr val="486113"/>
+              </a:solidFill>
+            </a:endParaRPr>
+          </a:p>
+          <a:p>
+            <a:r>
+              <a:rPr lang="de-DE">
+                <a:solidFill>
+                  <a:srgbClr val="486113"/>
+                </a:solidFill>
+              </a:rPr>
+              <a:t>1. </a:t>
+            </a:r>
+            <a:r>
+              <a:rPr lang="de-DE" err="1">
+                <a:solidFill>
+                  <a:srgbClr val="486113"/>
+                </a:solidFill>
+              </a:rPr>
+              <a:t>for</a:t>
+            </a:r>
+            <a:r>
+              <a:rPr lang="de-DE">
+                <a:solidFill>
+                  <a:srgbClr val="486113"/>
+                </a:solidFill>
+              </a:rPr>
+              <a:t> </a:t>
+            </a:r>
+            <a:r>
+              <a:rPr lang="de-DE" err="1">
+                <a:solidFill>
+                  <a:srgbClr val="486113"/>
+                </a:solidFill>
+              </a:rPr>
+              <a:t>epoch</a:t>
+            </a:r>
+            <a:r>
+              <a:rPr lang="de-DE">
+                <a:solidFill>
+                  <a:srgbClr val="486113"/>
+                </a:solidFill>
+              </a:rPr>
+              <a:t> / </a:t>
+            </a:r>
+            <a:r>
+              <a:rPr lang="de-DE" err="1">
+                <a:solidFill>
+                  <a:srgbClr val="486113"/>
+                </a:solidFill>
+              </a:rPr>
+              <a:t>batch</a:t>
+            </a:r>
+            <a:r>
+              <a:rPr lang="de-DE">
+                <a:solidFill>
+                  <a:srgbClr val="486113"/>
+                </a:solidFill>
+              </a:rPr>
+              <a:t> :</a:t>
+            </a:r>
+          </a:p>
+          <a:p>
+            <a:pPr>
+              <a:lnSpc>
+                <a:spcPct val="150000"/>
+              </a:lnSpc>
+            </a:pPr>
+            <a:r>
+              <a:rPr lang="de-DE">
+                <a:solidFill>
+                  <a:srgbClr val="486113"/>
+                </a:solidFill>
+              </a:rPr>
+              <a:t>       1.1 Training</a:t>
+            </a:r>
+          </a:p>
+          <a:p>
+            <a:pPr>
+              <a:lnSpc>
+                <a:spcPct val="150000"/>
+              </a:lnSpc>
+            </a:pPr>
+            <a:r>
+              <a:rPr lang="de-DE">
+                <a:solidFill>
+                  <a:srgbClr val="486113"/>
+                </a:solidFill>
+              </a:rPr>
+              <a:t>2. Send update</a:t>
+            </a:r>
+          </a:p>
+          <a:p>
+            <a:pPr>
+              <a:lnSpc>
+                <a:spcPct val="150000"/>
+              </a:lnSpc>
+            </a:pPr>
+            <a:r>
+              <a:rPr lang="de-DE">
+                <a:solidFill>
+                  <a:srgbClr val="486113"/>
+                </a:solidFill>
+              </a:rPr>
+              <a:t>3. Receive </a:t>
+            </a:r>
+            <a:r>
+              <a:rPr lang="de-DE" err="1">
+                <a:solidFill>
+                  <a:srgbClr val="486113"/>
+                </a:solidFill>
+              </a:rPr>
+              <a:t>updates</a:t>
+            </a:r>
+            <a:endParaRPr lang="de-DE">
+              <a:solidFill>
+                <a:srgbClr val="486113"/>
+              </a:solidFill>
+            </a:endParaRPr>
+          </a:p>
+          <a:p>
+            <a:pPr>
+              <a:lnSpc>
+                <a:spcPct val="150000"/>
+              </a:lnSpc>
+            </a:pPr>
+            <a:r>
+              <a:rPr lang="de-DE">
+                <a:solidFill>
+                  <a:srgbClr val="486113"/>
+                </a:solidFill>
+              </a:rPr>
+              <a:t>4. </a:t>
+            </a:r>
+            <a:r>
+              <a:rPr lang="de-DE" err="1">
+                <a:solidFill>
+                  <a:srgbClr val="486113"/>
+                </a:solidFill>
+              </a:rPr>
+              <a:t>Apply</a:t>
+            </a:r>
+            <a:r>
+              <a:rPr lang="de-DE">
+                <a:solidFill>
+                  <a:srgbClr val="486113"/>
+                </a:solidFill>
+              </a:rPr>
+              <a:t> </a:t>
+            </a:r>
+            <a:r>
+              <a:rPr lang="de-DE" err="1">
+                <a:solidFill>
+                  <a:srgbClr val="486113"/>
+                </a:solidFill>
+              </a:rPr>
+              <a:t>aggregated</a:t>
+            </a:r>
+            <a:r>
+              <a:rPr lang="de-DE">
+                <a:solidFill>
+                  <a:srgbClr val="486113"/>
+                </a:solidFill>
+              </a:rPr>
+              <a:t> update</a:t>
+            </a:r>
+          </a:p>
+          <a:p>
+            <a:endParaRPr lang="de-DE">
+              <a:solidFill>
+                <a:srgbClr val="486113"/>
+              </a:solidFill>
+            </a:endParaRPr>
+          </a:p>
+          <a:p>
+            <a:endParaRPr lang="de-DE">
+              <a:solidFill>
+                <a:srgbClr val="486113"/>
+              </a:solidFill>
+            </a:endParaRPr>
+          </a:p>
+          <a:p>
+            <a:endParaRPr lang="de-DE">
+              <a:solidFill>
+                <a:srgbClr val="486113"/>
+              </a:solidFill>
+            </a:endParaRPr>
+          </a:p>
+          <a:p>
+            <a:endParaRPr lang="de-DE">
+              <a:solidFill>
+                <a:srgbClr val="486113"/>
+              </a:solidFill>
+            </a:endParaRPr>
+          </a:p>
+        </p:txBody>
+      </p:sp>
+      <p:cxnSp>
+        <p:nvCxnSpPr>
+          <p:cNvPr id="7" name="Straight Connector 6">
+            <a:extLst>
+              <a:ext uri="{FF2B5EF4-FFF2-40B4-BE49-F238E27FC236}">
+                <a16:creationId xmlns:a16="http://schemas.microsoft.com/office/drawing/2014/main" id="{B6D3B8B5-7234-437C-BF1A-51E624E95F02}"/>
+              </a:ext>
+            </a:extLst>
+          </p:cNvPr>
+          <p:cNvCxnSpPr/>
+          <p:nvPr/>
+        </p:nvCxnSpPr>
+        <p:spPr>
+          <a:xfrm>
+            <a:off x="5307594" y="2068929"/>
+            <a:ext cx="0" cy="2466975"/>
+          </a:xfrm>
+          <a:prstGeom prst="line">
+            <a:avLst/>
+          </a:prstGeom>
+          <a:ln>
+            <a:solidFill>
+              <a:srgbClr val="5E8511"/>
+            </a:solidFill>
+          </a:ln>
+        </p:spPr>
+        <p:style>
+          <a:lnRef idx="1">
+            <a:schemeClr val="accent1"/>
+          </a:lnRef>
+          <a:fillRef idx="0">
+            <a:schemeClr val="accent1"/>
+          </a:fillRef>
+          <a:effectRef idx="0">
+            <a:schemeClr val="accent1"/>
+          </a:effectRef>
+          <a:fontRef idx="minor">
+            <a:schemeClr val="tx1"/>
+          </a:fontRef>
+        </p:style>
+      </p:cxnSp>
+      <p:sp>
+        <p:nvSpPr>
+          <p:cNvPr id="11" name="Rechteck: abgerundete Ecken 10">
+            <a:extLst>
+              <a:ext uri="{FF2B5EF4-FFF2-40B4-BE49-F238E27FC236}">
+                <a16:creationId xmlns:a16="http://schemas.microsoft.com/office/drawing/2014/main" id="{0939690A-F44F-4370-BD5A-17A350EE89B9}"/>
               </a:ext>
             </a:extLst>
           </p:cNvPr>
@@ -11631,12 +10874,16 @@
         </p:nvSpPr>
         <p:spPr>
           <a:xfrm>
-            <a:off x="6657975" y="3861180"/>
-            <a:ext cx="895350" cy="276225"/>
+            <a:off x="772024" y="5424754"/>
+            <a:ext cx="581638" cy="313206"/>
           </a:xfrm>
           <a:prstGeom prst="roundRect">
             <a:avLst/>
           </a:prstGeom>
+          <a:solidFill>
+            <a:srgbClr val="83B818"/>
+          </a:solidFill>
+          <a:ln w="28575"/>
         </p:spPr>
         <p:style>
           <a:lnRef idx="2">
@@ -11659,241 +10906,6 @@
           <a:lstStyle/>
           <a:p>
             <a:pPr algn="ctr"/>
-            <a:endParaRPr lang="de-DE"/>
-          </a:p>
-        </p:txBody>
-      </p:sp>
-      <p:sp>
-        <p:nvSpPr>
-          <p:cNvPr id="5" name="TextBox 9">
-            <a:extLst>
-              <a:ext uri="{FF2B5EF4-FFF2-40B4-BE49-F238E27FC236}">
-                <a16:creationId xmlns:a16="http://schemas.microsoft.com/office/drawing/2014/main" id="{27332328-D4E1-4FD0-B1A0-E2490D2ACADD}"/>
-              </a:ext>
-            </a:extLst>
-          </p:cNvPr>
-          <p:cNvSpPr txBox="1"/>
-          <p:nvPr/>
-        </p:nvSpPr>
-        <p:spPr>
-          <a:xfrm>
-            <a:off x="5744567" y="2068929"/>
-            <a:ext cx="6106332" cy="3693319"/>
-          </a:xfrm>
-          <a:prstGeom prst="rect">
-            <a:avLst/>
-          </a:prstGeom>
-          <a:noFill/>
-        </p:spPr>
-        <p:txBody>
-          <a:bodyPr wrap="square" lIns="91440" tIns="45720" rIns="91440" bIns="45720" anchor="t">
-            <a:spAutoFit/>
-          </a:bodyPr>
-          <a:lstStyle/>
-          <a:p>
-            <a:r>
-              <a:rPr lang="de-DE">
-                <a:solidFill>
-                  <a:srgbClr val="486113"/>
-                </a:solidFill>
-              </a:rPr>
-              <a:t>Client </a:t>
-            </a:r>
-          </a:p>
-          <a:p>
-            <a:endParaRPr lang="de-DE">
-              <a:solidFill>
-                <a:srgbClr val="486113"/>
-              </a:solidFill>
-            </a:endParaRPr>
-          </a:p>
-          <a:p>
-            <a:r>
-              <a:rPr lang="de-DE">
-                <a:solidFill>
-                  <a:srgbClr val="486113"/>
-                </a:solidFill>
-              </a:rPr>
-              <a:t>1. for epoch / batch :</a:t>
-            </a:r>
-          </a:p>
-          <a:p>
-            <a:pPr>
-              <a:lnSpc>
-                <a:spcPct val="150000"/>
-              </a:lnSpc>
-            </a:pPr>
-            <a:r>
-              <a:rPr lang="de-DE">
-                <a:solidFill>
-                  <a:srgbClr val="486113"/>
-                </a:solidFill>
-              </a:rPr>
-              <a:t>       1.1 Start training</a:t>
-            </a:r>
-          </a:p>
-          <a:p>
-            <a:pPr>
-              <a:lnSpc>
-                <a:spcPct val="150000"/>
-              </a:lnSpc>
-            </a:pPr>
-            <a:r>
-              <a:rPr lang="de-DE">
-                <a:solidFill>
-                  <a:srgbClr val="486113"/>
-                </a:solidFill>
-              </a:rPr>
-              <a:t>       1.2 Send update</a:t>
-            </a:r>
-          </a:p>
-          <a:p>
-            <a:pPr>
-              <a:lnSpc>
-                <a:spcPct val="150000"/>
-              </a:lnSpc>
-            </a:pPr>
-            <a:r>
-              <a:rPr lang="de-DE">
-                <a:solidFill>
-                  <a:srgbClr val="486113"/>
-                </a:solidFill>
-              </a:rPr>
-              <a:t>       1.3 Receive updates</a:t>
-            </a:r>
-          </a:p>
-          <a:p>
-            <a:pPr>
-              <a:lnSpc>
-                <a:spcPct val="150000"/>
-              </a:lnSpc>
-            </a:pPr>
-            <a:r>
-              <a:rPr lang="de-DE">
-                <a:solidFill>
-                  <a:srgbClr val="486113"/>
-                </a:solidFill>
-              </a:rPr>
-              <a:t>       1.4 Apply aggregated update</a:t>
-            </a:r>
-          </a:p>
-          <a:p>
-            <a:endParaRPr lang="de-DE">
-              <a:solidFill>
-                <a:srgbClr val="486113"/>
-              </a:solidFill>
-            </a:endParaRPr>
-          </a:p>
-          <a:p>
-            <a:endParaRPr lang="de-DE">
-              <a:solidFill>
-                <a:srgbClr val="486113"/>
-              </a:solidFill>
-            </a:endParaRPr>
-          </a:p>
-          <a:p>
-            <a:endParaRPr lang="de-DE">
-              <a:solidFill>
-                <a:srgbClr val="486113"/>
-              </a:solidFill>
-            </a:endParaRPr>
-          </a:p>
-          <a:p>
-            <a:endParaRPr lang="de-DE">
-              <a:solidFill>
-                <a:srgbClr val="486113"/>
-              </a:solidFill>
-            </a:endParaRPr>
-          </a:p>
-        </p:txBody>
-      </p:sp>
-      <p:cxnSp>
-        <p:nvCxnSpPr>
-          <p:cNvPr id="7" name="Straight Connector 6">
-            <a:extLst>
-              <a:ext uri="{FF2B5EF4-FFF2-40B4-BE49-F238E27FC236}">
-                <a16:creationId xmlns:a16="http://schemas.microsoft.com/office/drawing/2014/main" id="{B6D3B8B5-7234-437C-BF1A-51E624E95F02}"/>
-              </a:ext>
-            </a:extLst>
-          </p:cNvPr>
-          <p:cNvCxnSpPr/>
-          <p:nvPr/>
-        </p:nvCxnSpPr>
-        <p:spPr>
-          <a:xfrm>
-            <a:off x="5307594" y="2068929"/>
-            <a:ext cx="0" cy="2466975"/>
-          </a:xfrm>
-          <a:prstGeom prst="line">
-            <a:avLst/>
-          </a:prstGeom>
-          <a:ln>
-            <a:solidFill>
-              <a:srgbClr val="5E8511"/>
-            </a:solidFill>
-          </a:ln>
-        </p:spPr>
-        <p:style>
-          <a:lnRef idx="1">
-            <a:schemeClr val="accent1"/>
-          </a:lnRef>
-          <a:fillRef idx="0">
-            <a:schemeClr val="accent1"/>
-          </a:fillRef>
-          <a:effectRef idx="0">
-            <a:schemeClr val="accent1"/>
-          </a:effectRef>
-          <a:fontRef idx="minor">
-            <a:schemeClr val="tx1"/>
-          </a:fontRef>
-        </p:style>
-      </p:cxnSp>
-      <p:sp>
-        <p:nvSpPr>
-          <p:cNvPr id="11" name="Rechteck: abgerundete Ecken 10">
-            <a:extLst>
-              <a:ext uri="{FF2B5EF4-FFF2-40B4-BE49-F238E27FC236}">
-                <a16:creationId xmlns:a16="http://schemas.microsoft.com/office/drawing/2014/main" id="{0939690A-F44F-4370-BD5A-17A350EE89B9}"/>
-              </a:ext>
-            </a:extLst>
-          </p:cNvPr>
-          <p:cNvSpPr/>
-          <p:nvPr/>
-        </p:nvSpPr>
-        <p:spPr>
-          <a:xfrm>
-            <a:off x="711410" y="5450731"/>
-            <a:ext cx="581638" cy="313206"/>
-          </a:xfrm>
-          <a:prstGeom prst="roundRect">
-            <a:avLst/>
-          </a:prstGeom>
-          <a:solidFill>
-            <a:srgbClr val="83B818"/>
-          </a:solidFill>
-          <a:ln w="28575"/>
-        </p:spPr>
-        <p:style>
-          <a:lnRef idx="2">
-            <a:schemeClr val="accent1">
-              <a:shade val="50000"/>
-            </a:schemeClr>
-          </a:lnRef>
-          <a:fillRef idx="1">
-            <a:schemeClr val="accent1"/>
-          </a:fillRef>
-          <a:effectRef idx="0">
-            <a:schemeClr val="accent1"/>
-          </a:effectRef>
-          <a:fontRef idx="minor">
-            <a:schemeClr val="lt1"/>
-          </a:fontRef>
-        </p:style>
-        <p:txBody>
-          <a:bodyPr rtlCol="0" anchor="ctr"/>
-          <a:lstStyle/>
-          <a:p>
-            <a:pPr algn="ctr"/>
             <a:endParaRPr lang="de-DE">
               <a:solidFill>
                 <a:schemeClr val="accent1">
@@ -11918,9 +10930,9 @@
               <p14:cNvContentPartPr/>
               <p14:nvPr/>
             </p14:nvContentPartPr>
-            <p14:xfrm>
-              <a:off x="13077750" y="1285545"/>
-              <a:ext cx="360" cy="360"/>
+            <p14:xfrm flipV="1">
+              <a:off x="13382550" y="1479869"/>
+              <a:ext cx="228960" cy="165894"/>
             </p14:xfrm>
           </p:contentPart>
         </mc:Choice>
@@ -11944,9 +10956,9 @@
               </a:stretch>
             </p:blipFill>
             <p:spPr>
-              <a:xfrm>
-                <a:off x="13023750" y="1177545"/>
-                <a:ext cx="108000" cy="216000"/>
+              <a:xfrm flipV="1">
+                <a:off x="-20961450" y="-48288331"/>
+                <a:ext cx="68688000" cy="99536400"/>
               </a:xfrm>
               <a:prstGeom prst="rect">
                 <a:avLst/>
@@ -12028,122 +11040,6 @@
   <p:clrMapOvr>
     <a:masterClrMapping/>
   </p:clrMapOvr>
-  <p:timing>
-    <p:tnLst>
-      <p:par>
-        <p:cTn id="1" dur="indefinite" restart="never" nodeType="tmRoot">
-          <p:childTnLst>
-            <p:seq concurrent="1" nextAc="seek">
-              <p:cTn id="2" dur="indefinite" nodeType="mainSeq">
-                <p:childTnLst>
-                  <p:par>
-                    <p:cTn id="3" fill="hold">
-                      <p:stCondLst>
-                        <p:cond delay="indefinite"/>
-                      </p:stCondLst>
-                      <p:childTnLst>
-                        <p:par>
-                          <p:cTn id="4" fill="hold">
-                            <p:stCondLst>
-                              <p:cond delay="0"/>
-                            </p:stCondLst>
-                            <p:childTnLst>
-                              <p:par>
-                                <p:cTn id="5" presetID="24" presetClass="emph" presetSubtype="0" fill="hold" grpId="0" nodeType="clickEffect">
-                                  <p:stCondLst>
-                                    <p:cond delay="0"/>
-                                  </p:stCondLst>
-                                  <p:childTnLst>
-                                    <p:animClr clrSpc="hsl" dir="cw">
-                                      <p:cBhvr override="childStyle">
-                                        <p:cTn id="6" dur="500" fill="hold"/>
-                                        <p:tgtEl>
-                                          <p:spTgt spid="2"/>
-                                        </p:tgtEl>
-                                        <p:attrNameLst>
-                                          <p:attrName>style.color</p:attrName>
-                                        </p:attrNameLst>
-                                      </p:cBhvr>
-                                      <p:by>
-                                        <p:hsl h="0" s="-12549" l="-25098"/>
-                                      </p:by>
-                                    </p:animClr>
-                                    <p:animClr clrSpc="hsl" dir="cw">
-                                      <p:cBhvr>
-                                        <p:cTn id="7" dur="500" fill="hold"/>
-                                        <p:tgtEl>
-                                          <p:spTgt spid="2"/>
-                                        </p:tgtEl>
-                                        <p:attrNameLst>
-                                          <p:attrName>fillcolor</p:attrName>
-                                        </p:attrNameLst>
-                                      </p:cBhvr>
-                                      <p:by>
-                                        <p:hsl h="0" s="-12549" l="-25098"/>
-                                      </p:by>
-                                    </p:animClr>
-                                    <p:animClr clrSpc="hsl" dir="cw">
-                                      <p:cBhvr>
-                                        <p:cTn id="8" dur="500" fill="hold"/>
-                                        <p:tgtEl>
-                                          <p:spTgt spid="2"/>
-                                        </p:tgtEl>
-                                        <p:attrNameLst>
-                                          <p:attrName>stroke.color</p:attrName>
-                                        </p:attrNameLst>
-                                      </p:cBhvr>
-                                      <p:by>
-                                        <p:hsl h="0" s="-12549" l="-25098"/>
-                                      </p:by>
-                                    </p:animClr>
-                                    <p:set>
-                                      <p:cBhvr>
-                                        <p:cTn id="9" dur="500" fill="hold"/>
-                                        <p:tgtEl>
-                                          <p:spTgt spid="2"/>
-                                        </p:tgtEl>
-                                        <p:attrNameLst>
-                                          <p:attrName>fill.type</p:attrName>
-                                        </p:attrNameLst>
-                                      </p:cBhvr>
-                                      <p:to>
-                                        <p:strVal val="solid"/>
-                                      </p:to>
-                                    </p:set>
-                                  </p:childTnLst>
-                                </p:cTn>
-                              </p:par>
-                            </p:childTnLst>
-                          </p:cTn>
-                        </p:par>
-                      </p:childTnLst>
-                    </p:cTn>
-                  </p:par>
-                </p:childTnLst>
-              </p:cTn>
-              <p:prevCondLst>
-                <p:cond evt="onPrev" delay="0">
-                  <p:tgtEl>
-                    <p:sldTgt/>
-                  </p:tgtEl>
-                </p:cond>
-              </p:prevCondLst>
-              <p:nextCondLst>
-                <p:cond evt="onNext" delay="0">
-                  <p:tgtEl>
-                    <p:sldTgt/>
-                  </p:tgtEl>
-                </p:cond>
-              </p:nextCondLst>
-            </p:seq>
-          </p:childTnLst>
-        </p:cTn>
-      </p:par>
-    </p:tnLst>
-    <p:bldLst>
-      <p:bldP spid="2" grpId="0"/>
-    </p:bldLst>
-  </p:timing>
 </p:sld>
 </file>
 
@@ -12470,7 +11366,31 @@
                   <a:srgbClr val="486113"/>
                 </a:solidFill>
               </a:rPr>
-              <a:t>Anzahl communication rounds</a:t>
+              <a:t>Anzahl </a:t>
+            </a:r>
+            <a:r>
+              <a:rPr lang="de-DE" err="1">
+                <a:solidFill>
+                  <a:srgbClr val="486113"/>
+                </a:solidFill>
+              </a:rPr>
+              <a:t>communication</a:t>
+            </a:r>
+            <a:r>
+              <a:rPr lang="de-DE">
+                <a:solidFill>
+                  <a:srgbClr val="486113"/>
+                </a:solidFill>
+              </a:rPr>
+              <a:t> </a:t>
+            </a:r>
+            <a:r>
+              <a:rPr lang="de-DE" err="1">
+                <a:solidFill>
+                  <a:srgbClr val="486113"/>
+                </a:solidFill>
+              </a:rPr>
+              <a:t>rounds</a:t>
             </a:r>
           </a:p>
           <a:p>
@@ -12484,7 +11404,7 @@
                   <a:srgbClr val="486113"/>
                 </a:solidFill>
               </a:rPr>
-              <a:t>Anzahl epochen</a:t>
+              <a:t>Anzahl Epochen</a:t>
             </a:r>
           </a:p>
           <a:p>
@@ -12584,122 +11504,6 @@
   <p:clrMapOvr>
     <a:masterClrMapping/>
   </p:clrMapOvr>
-  <p:timing>
-    <p:tnLst>
-      <p:par>
-        <p:cTn id="1" dur="indefinite" restart="never" nodeType="tmRoot">
-          <p:childTnLst>
-            <p:seq concurrent="1" nextAc="seek">
-              <p:cTn id="2" dur="indefinite" nodeType="mainSeq">
-                <p:childTnLst>
-                  <p:par>
-                    <p:cTn id="3" fill="hold">
-                      <p:stCondLst>
-                        <p:cond delay="indefinite"/>
-                      </p:stCondLst>
-                      <p:childTnLst>
-                        <p:par>
-                          <p:cTn id="4" fill="hold">
-                            <p:stCondLst>
-                              <p:cond delay="0"/>
-                            </p:stCondLst>
-                            <p:childTnLst>
-                              <p:par>
-                                <p:cTn id="5" presetID="24" presetClass="emph" presetSubtype="0" fill="hold" grpId="0" nodeType="clickEffect">
-                                  <p:stCondLst>
-                                    <p:cond delay="0"/>
-                                  </p:stCondLst>
-                                  <p:childTnLst>
-                                    <p:animClr clrSpc="hsl" dir="cw">
-                                      <p:cBhvr override="childStyle">
-                                        <p:cTn id="6" dur="500" fill="hold"/>
-                                        <p:tgtEl>
-                                          <p:spTgt spid="2"/>
-                                        </p:tgtEl>
-                                        <p:attrNameLst>
-                                          <p:attrName>style.color</p:attrName>
-                                        </p:attrNameLst>
-                                      </p:cBhvr>
-                                      <p:by>
-                                        <p:hsl h="0" s="-12549" l="-25098"/>
-                                      </p:by>
-                                    </p:animClr>
-                                    <p:animClr clrSpc="hsl" dir="cw">
-                                      <p:cBhvr>
-                                        <p:cTn id="7" dur="500" fill="hold"/>
-                                        <p:tgtEl>
-                                          <p:spTgt spid="2"/>
-                                        </p:tgtEl>
-                                        <p:attrNameLst>
-                                          <p:attrName>fillcolor</p:attrName>
-                                        </p:attrNameLst>
-                                      </p:cBhvr>
-                                      <p:by>
-                                        <p:hsl h="0" s="-12549" l="-25098"/>
-                                      </p:by>
-                                    </p:animClr>
-                                    <p:animClr clrSpc="hsl" dir="cw">
-                                      <p:cBhvr>
-                                        <p:cTn id="8" dur="500" fill="hold"/>
-                                        <p:tgtEl>
-                                          <p:spTgt spid="2"/>
-                                        </p:tgtEl>
-                                        <p:attrNameLst>
-                                          <p:attrName>stroke.color</p:attrName>
-                                        </p:attrNameLst>
-                                      </p:cBhvr>
-                                      <p:by>
-                                        <p:hsl h="0" s="-12549" l="-25098"/>
-                                      </p:by>
-                                    </p:animClr>
-                                    <p:set>
-                                      <p:cBhvr>
-                                        <p:cTn id="9" dur="500" fill="hold"/>
-                                        <p:tgtEl>
-                                          <p:spTgt spid="2"/>
-                                        </p:tgtEl>
-                                        <p:attrNameLst>
-                                          <p:attrName>fill.type</p:attrName>
-                                        </p:attrNameLst>
-                                      </p:cBhvr>
-                                      <p:to>
-                                        <p:strVal val="solid"/>
-                                      </p:to>
-                                    </p:set>
-                                  </p:childTnLst>
-                                </p:cTn>
-                              </p:par>
-                            </p:childTnLst>
-                          </p:cTn>
-                        </p:par>
-                      </p:childTnLst>
-                    </p:cTn>
-                  </p:par>
-                </p:childTnLst>
-              </p:cTn>
-              <p:prevCondLst>
-                <p:cond evt="onPrev" delay="0">
-                  <p:tgtEl>
-                    <p:sldTgt/>
-                  </p:tgtEl>
-                </p:cond>
-              </p:prevCondLst>
-              <p:nextCondLst>
-                <p:cond evt="onNext" delay="0">
-                  <p:tgtEl>
-                    <p:sldTgt/>
-                  </p:tgtEl>
-                </p:cond>
-              </p:nextCondLst>
-            </p:seq>
-          </p:childTnLst>
-        </p:cTn>
-      </p:par>
-    </p:tnLst>
-    <p:bldLst>
-      <p:bldP spid="2" grpId="0"/>
-    </p:bldLst>
-  </p:timing>
 </p:sld>
 </file>
 
@@ -12989,7 +11793,7 @@
         </p:nvSpPr>
         <p:spPr>
           <a:xfrm>
-            <a:off x="2032057" y="2737455"/>
+            <a:off x="2032988" y="2736502"/>
             <a:ext cx="6981084" cy="1384995"/>
           </a:xfrm>
           <a:prstGeom prst="rect">
@@ -13028,122 +11832,6 @@
   <p:clrMapOvr>
     <a:masterClrMapping/>
   </p:clrMapOvr>
-  <p:timing>
-    <p:tnLst>
-      <p:par>
-        <p:cTn id="1" dur="indefinite" restart="never" nodeType="tmRoot">
-          <p:childTnLst>
-            <p:seq concurrent="1" nextAc="seek">
-              <p:cTn id="2" dur="indefinite" nodeType="mainSeq">
-                <p:childTnLst>
-                  <p:par>
-                    <p:cTn id="3" fill="hold">
-                      <p:stCondLst>
-                        <p:cond delay="indefinite"/>
-                      </p:stCondLst>
-                      <p:childTnLst>
-                        <p:par>
-                          <p:cTn id="4" fill="hold">
-                            <p:stCondLst>
-                              <p:cond delay="0"/>
-                            </p:stCondLst>
-                            <p:childTnLst>
-                              <p:par>
-                                <p:cTn id="5" presetID="24" presetClass="emph" presetSubtype="0" fill="hold" grpId="0" nodeType="clickEffect">
-                                  <p:stCondLst>
-                                    <p:cond delay="0"/>
-                                  </p:stCondLst>
-                                  <p:childTnLst>
-                                    <p:animClr clrSpc="hsl" dir="cw">
-                                      <p:cBhvr override="childStyle">
-                                        <p:cTn id="6" dur="500" fill="hold"/>
-                                        <p:tgtEl>
-                                          <p:spTgt spid="2"/>
-                                        </p:tgtEl>
-                                        <p:attrNameLst>
-                                          <p:attrName>style.color</p:attrName>
-                                        </p:attrNameLst>
-                                      </p:cBhvr>
-                                      <p:by>
-                                        <p:hsl h="0" s="-12549" l="-25098"/>
-                                      </p:by>
-                                    </p:animClr>
-                                    <p:animClr clrSpc="hsl" dir="cw">
-                                      <p:cBhvr>
-                                        <p:cTn id="7" dur="500" fill="hold"/>
-                                        <p:tgtEl>
-                                          <p:spTgt spid="2"/>
-                                        </p:tgtEl>
-                                        <p:attrNameLst>
-                                          <p:attrName>fillcolor</p:attrName>
-                                        </p:attrNameLst>
-                                      </p:cBhvr>
-                                      <p:by>
-                                        <p:hsl h="0" s="-12549" l="-25098"/>
-                                      </p:by>
-                                    </p:animClr>
-                                    <p:animClr clrSpc="hsl" dir="cw">
-                                      <p:cBhvr>
-                                        <p:cTn id="8" dur="500" fill="hold"/>
-                                        <p:tgtEl>
-                                          <p:spTgt spid="2"/>
-                                        </p:tgtEl>
-                                        <p:attrNameLst>
-                                          <p:attrName>stroke.color</p:attrName>
-                                        </p:attrNameLst>
-                                      </p:cBhvr>
-                                      <p:by>
-                                        <p:hsl h="0" s="-12549" l="-25098"/>
-                                      </p:by>
-                                    </p:animClr>
-                                    <p:set>
-                                      <p:cBhvr>
-                                        <p:cTn id="9" dur="500" fill="hold"/>
-                                        <p:tgtEl>
-                                          <p:spTgt spid="2"/>
-                                        </p:tgtEl>
-                                        <p:attrNameLst>
-                                          <p:attrName>fill.type</p:attrName>
-                                        </p:attrNameLst>
-                                      </p:cBhvr>
-                                      <p:to>
-                                        <p:strVal val="solid"/>
-                                      </p:to>
-                                    </p:set>
-                                  </p:childTnLst>
-                                </p:cTn>
-                              </p:par>
-                            </p:childTnLst>
-                          </p:cTn>
-                        </p:par>
-                      </p:childTnLst>
-                    </p:cTn>
-                  </p:par>
-                </p:childTnLst>
-              </p:cTn>
-              <p:prevCondLst>
-                <p:cond evt="onPrev" delay="0">
-                  <p:tgtEl>
-                    <p:sldTgt/>
-                  </p:tgtEl>
-                </p:cond>
-              </p:prevCondLst>
-              <p:nextCondLst>
-                <p:cond evt="onNext" delay="0">
-                  <p:tgtEl>
-                    <p:sldTgt/>
-                  </p:tgtEl>
-                </p:cond>
-              </p:nextCondLst>
-            </p:seq>
-          </p:childTnLst>
-        </p:cTn>
-      </p:par>
-    </p:tnLst>
-    <p:bldLst>
-      <p:bldP spid="2" grpId="0"/>
-    </p:bldLst>
-  </p:timing>
 </p:sld>
 </file>
 
@@ -13623,122 +12311,6 @@
   <p:clrMapOvr>
     <a:masterClrMapping/>
   </p:clrMapOvr>
-  <p:timing>
-    <p:tnLst>
-      <p:par>
-        <p:cTn id="1" dur="indefinite" restart="never" nodeType="tmRoot">
-          <p:childTnLst>
-            <p:seq concurrent="1" nextAc="seek">
-              <p:cTn id="2" dur="indefinite" nodeType="mainSeq">
-                <p:childTnLst>
-                  <p:par>
-                    <p:cTn id="3" fill="hold">
-                      <p:stCondLst>
-                        <p:cond delay="indefinite"/>
-                      </p:stCondLst>
-                      <p:childTnLst>
-                        <p:par>
-                          <p:cTn id="4" fill="hold">
-                            <p:stCondLst>
-                              <p:cond delay="0"/>
-                            </p:stCondLst>
-                            <p:childTnLst>
-                              <p:par>
-                                <p:cTn id="5" presetID="24" presetClass="emph" presetSubtype="0" fill="hold" grpId="0" nodeType="clickEffect">
-                                  <p:stCondLst>
-                                    <p:cond delay="0"/>
-                                  </p:stCondLst>
-                                  <p:childTnLst>
-                                    <p:animClr clrSpc="hsl" dir="cw">
-                                      <p:cBhvr override="childStyle">
-                                        <p:cTn id="6" dur="500" fill="hold"/>
-                                        <p:tgtEl>
-                                          <p:spTgt spid="2"/>
-                                        </p:tgtEl>
-                                        <p:attrNameLst>
-                                          <p:attrName>style.color</p:attrName>
-                                        </p:attrNameLst>
-                                      </p:cBhvr>
-                                      <p:by>
-                                        <p:hsl h="0" s="-12549" l="-25098"/>
-                                      </p:by>
-                                    </p:animClr>
-                                    <p:animClr clrSpc="hsl" dir="cw">
-                                      <p:cBhvr>
-                                        <p:cTn id="7" dur="500" fill="hold"/>
-                                        <p:tgtEl>
-                                          <p:spTgt spid="2"/>
-                                        </p:tgtEl>
-                                        <p:attrNameLst>
-                                          <p:attrName>fillcolor</p:attrName>
-                                        </p:attrNameLst>
-                                      </p:cBhvr>
-                                      <p:by>
-                                        <p:hsl h="0" s="-12549" l="-25098"/>
-                                      </p:by>
-                                    </p:animClr>
-                                    <p:animClr clrSpc="hsl" dir="cw">
-                                      <p:cBhvr>
-                                        <p:cTn id="8" dur="500" fill="hold"/>
-                                        <p:tgtEl>
-                                          <p:spTgt spid="2"/>
-                                        </p:tgtEl>
-                                        <p:attrNameLst>
-                                          <p:attrName>stroke.color</p:attrName>
-                                        </p:attrNameLst>
-                                      </p:cBhvr>
-                                      <p:by>
-                                        <p:hsl h="0" s="-12549" l="-25098"/>
-                                      </p:by>
-                                    </p:animClr>
-                                    <p:set>
-                                      <p:cBhvr>
-                                        <p:cTn id="9" dur="500" fill="hold"/>
-                                        <p:tgtEl>
-                                          <p:spTgt spid="2"/>
-                                        </p:tgtEl>
-                                        <p:attrNameLst>
-                                          <p:attrName>fill.type</p:attrName>
-                                        </p:attrNameLst>
-                                      </p:cBhvr>
-                                      <p:to>
-                                        <p:strVal val="solid"/>
-                                      </p:to>
-                                    </p:set>
-                                  </p:childTnLst>
-                                </p:cTn>
-                              </p:par>
-                            </p:childTnLst>
-                          </p:cTn>
-                        </p:par>
-                      </p:childTnLst>
-                    </p:cTn>
-                  </p:par>
-                </p:childTnLst>
-              </p:cTn>
-              <p:prevCondLst>
-                <p:cond evt="onPrev" delay="0">
-                  <p:tgtEl>
-                    <p:sldTgt/>
-                  </p:tgtEl>
-                </p:cond>
-              </p:prevCondLst>
-              <p:nextCondLst>
-                <p:cond evt="onNext" delay="0">
-                  <p:tgtEl>
-                    <p:sldTgt/>
-                  </p:tgtEl>
-                </p:cond>
-              </p:nextCondLst>
-            </p:seq>
-          </p:childTnLst>
-        </p:cTn>
-      </p:par>
-    </p:tnLst>
-    <p:bldLst>
-      <p:bldP spid="2" grpId="0"/>
-    </p:bldLst>
-  </p:timing>
 </p:sld>
 </file>
 
@@ -14314,122 +12886,6 @@
   <p:clrMapOvr>
     <a:masterClrMapping/>
   </p:clrMapOvr>
-  <p:timing>
-    <p:tnLst>
-      <p:par>
-        <p:cTn id="1" dur="indefinite" restart="never" nodeType="tmRoot">
-          <p:childTnLst>
-            <p:seq concurrent="1" nextAc="seek">
-              <p:cTn id="2" dur="indefinite" nodeType="mainSeq">
-                <p:childTnLst>
-                  <p:par>
-                    <p:cTn id="3" fill="hold">
-                      <p:stCondLst>
-                        <p:cond delay="indefinite"/>
-                      </p:stCondLst>
-                      <p:childTnLst>
-                        <p:par>
-                          <p:cTn id="4" fill="hold">
-                            <p:stCondLst>
-                              <p:cond delay="0"/>
-                            </p:stCondLst>
-                            <p:childTnLst>
-                              <p:par>
-                                <p:cTn id="5" presetID="24" presetClass="emph" presetSubtype="0" fill="hold" grpId="0" nodeType="clickEffect">
-                                  <p:stCondLst>
-                                    <p:cond delay="0"/>
-                                  </p:stCondLst>
-                                  <p:childTnLst>
-                                    <p:animClr clrSpc="hsl" dir="cw">
-                                      <p:cBhvr override="childStyle">
-                                        <p:cTn id="6" dur="500" fill="hold"/>
-                                        <p:tgtEl>
-                                          <p:spTgt spid="2"/>
-                                        </p:tgtEl>
-                                        <p:attrNameLst>
-                                          <p:attrName>style.color</p:attrName>
-                                        </p:attrNameLst>
-                                      </p:cBhvr>
-                                      <p:by>
-                                        <p:hsl h="0" s="-12549" l="-25098"/>
-                                      </p:by>
-                                    </p:animClr>
-                                    <p:animClr clrSpc="hsl" dir="cw">
-                                      <p:cBhvr>
-                                        <p:cTn id="7" dur="500" fill="hold"/>
-                                        <p:tgtEl>
-                                          <p:spTgt spid="2"/>
-                                        </p:tgtEl>
-                                        <p:attrNameLst>
-                                          <p:attrName>fillcolor</p:attrName>
-                                        </p:attrNameLst>
-                                      </p:cBhvr>
-                                      <p:by>
-                                        <p:hsl h="0" s="-12549" l="-25098"/>
-                                      </p:by>
-                                    </p:animClr>
-                                    <p:animClr clrSpc="hsl" dir="cw">
-                                      <p:cBhvr>
-                                        <p:cTn id="8" dur="500" fill="hold"/>
-                                        <p:tgtEl>
-                                          <p:spTgt spid="2"/>
-                                        </p:tgtEl>
-                                        <p:attrNameLst>
-                                          <p:attrName>stroke.color</p:attrName>
-                                        </p:attrNameLst>
-                                      </p:cBhvr>
-                                      <p:by>
-                                        <p:hsl h="0" s="-12549" l="-25098"/>
-                                      </p:by>
-                                    </p:animClr>
-                                    <p:set>
-                                      <p:cBhvr>
-                                        <p:cTn id="9" dur="500" fill="hold"/>
-                                        <p:tgtEl>
-                                          <p:spTgt spid="2"/>
-                                        </p:tgtEl>
-                                        <p:attrNameLst>
-                                          <p:attrName>fill.type</p:attrName>
-                                        </p:attrNameLst>
-                                      </p:cBhvr>
-                                      <p:to>
-                                        <p:strVal val="solid"/>
-                                      </p:to>
-                                    </p:set>
-                                  </p:childTnLst>
-                                </p:cTn>
-                              </p:par>
-                            </p:childTnLst>
-                          </p:cTn>
-                        </p:par>
-                      </p:childTnLst>
-                    </p:cTn>
-                  </p:par>
-                </p:childTnLst>
-              </p:cTn>
-              <p:prevCondLst>
-                <p:cond evt="onPrev" delay="0">
-                  <p:tgtEl>
-                    <p:sldTgt/>
-                  </p:tgtEl>
-                </p:cond>
-              </p:prevCondLst>
-              <p:nextCondLst>
-                <p:cond evt="onNext" delay="0">
-                  <p:tgtEl>
-                    <p:sldTgt/>
-                  </p:tgtEl>
-                </p:cond>
-              </p:nextCondLst>
-            </p:seq>
-          </p:childTnLst>
-        </p:cTn>
-      </p:par>
-    </p:tnLst>
-    <p:bldLst>
-      <p:bldP spid="2" grpId="0"/>
-    </p:bldLst>
-  </p:timing>
 </p:sld>
 </file>
 
@@ -15177,122 +13633,6 @@
   <p:clrMapOvr>
     <a:masterClrMapping/>
   </p:clrMapOvr>
-  <p:timing>
-    <p:tnLst>
-      <p:par>
-        <p:cTn id="1" dur="indefinite" restart="never" nodeType="tmRoot">
-          <p:childTnLst>
-            <p:seq concurrent="1" nextAc="seek">
-              <p:cTn id="2" dur="indefinite" nodeType="mainSeq">
-                <p:childTnLst>
-                  <p:par>
-                    <p:cTn id="3" fill="hold">
-                      <p:stCondLst>
-                        <p:cond delay="indefinite"/>
-                      </p:stCondLst>
-                      <p:childTnLst>
-                        <p:par>
-                          <p:cTn id="4" fill="hold">
-                            <p:stCondLst>
-                              <p:cond delay="0"/>
-                            </p:stCondLst>
-                            <p:childTnLst>
-                              <p:par>
-                                <p:cTn id="5" presetID="24" presetClass="emph" presetSubtype="0" fill="hold" grpId="0" nodeType="clickEffect">
-                                  <p:stCondLst>
-                                    <p:cond delay="0"/>
-                                  </p:stCondLst>
-                                  <p:childTnLst>
-                                    <p:animClr clrSpc="hsl" dir="cw">
-                                      <p:cBhvr override="childStyle">
-                                        <p:cTn id="6" dur="500" fill="hold"/>
-                                        <p:tgtEl>
-                                          <p:spTgt spid="2"/>
-                                        </p:tgtEl>
-                                        <p:attrNameLst>
-                                          <p:attrName>style.color</p:attrName>
-                                        </p:attrNameLst>
-                                      </p:cBhvr>
-                                      <p:by>
-                                        <p:hsl h="0" s="-12549" l="-25098"/>
-                                      </p:by>
-                                    </p:animClr>
-                                    <p:animClr clrSpc="hsl" dir="cw">
-                                      <p:cBhvr>
-                                        <p:cTn id="7" dur="500" fill="hold"/>
-                                        <p:tgtEl>
-                                          <p:spTgt spid="2"/>
-                                        </p:tgtEl>
-                                        <p:attrNameLst>
-                                          <p:attrName>fillcolor</p:attrName>
-                                        </p:attrNameLst>
-                                      </p:cBhvr>
-                                      <p:by>
-                                        <p:hsl h="0" s="-12549" l="-25098"/>
-                                      </p:by>
-                                    </p:animClr>
-                                    <p:animClr clrSpc="hsl" dir="cw">
-                                      <p:cBhvr>
-                                        <p:cTn id="8" dur="500" fill="hold"/>
-                                        <p:tgtEl>
-                                          <p:spTgt spid="2"/>
-                                        </p:tgtEl>
-                                        <p:attrNameLst>
-                                          <p:attrName>stroke.color</p:attrName>
-                                        </p:attrNameLst>
-                                      </p:cBhvr>
-                                      <p:by>
-                                        <p:hsl h="0" s="-12549" l="-25098"/>
-                                      </p:by>
-                                    </p:animClr>
-                                    <p:set>
-                                      <p:cBhvr>
-                                        <p:cTn id="9" dur="500" fill="hold"/>
-                                        <p:tgtEl>
-                                          <p:spTgt spid="2"/>
-                                        </p:tgtEl>
-                                        <p:attrNameLst>
-                                          <p:attrName>fill.type</p:attrName>
-                                        </p:attrNameLst>
-                                      </p:cBhvr>
-                                      <p:to>
-                                        <p:strVal val="solid"/>
-                                      </p:to>
-                                    </p:set>
-                                  </p:childTnLst>
-                                </p:cTn>
-                              </p:par>
-                            </p:childTnLst>
-                          </p:cTn>
-                        </p:par>
-                      </p:childTnLst>
-                    </p:cTn>
-                  </p:par>
-                </p:childTnLst>
-              </p:cTn>
-              <p:prevCondLst>
-                <p:cond evt="onPrev" delay="0">
-                  <p:tgtEl>
-                    <p:sldTgt/>
-                  </p:tgtEl>
-                </p:cond>
-              </p:prevCondLst>
-              <p:nextCondLst>
-                <p:cond evt="onNext" delay="0">
-                  <p:tgtEl>
-                    <p:sldTgt/>
-                  </p:tgtEl>
-                </p:cond>
-              </p:nextCondLst>
-            </p:seq>
-          </p:childTnLst>
-        </p:cTn>
-      </p:par>
-    </p:tnLst>
-    <p:bldLst>
-      <p:bldP spid="2" grpId="0"/>
-    </p:bldLst>
-  </p:timing>
 </p:sld>
 </file>
 
